--- a/Google BigQuery.pptx
+++ b/Google BigQuery.pptx
@@ -5102,13 +5102,8 @@
           <a:p>
             <a:r>
               <a:rPr lang="en-US" dirty="0" smtClean="0"/>
-              <a:t>How BigQuery Stores </a:t>
-            </a:r>
-            <a:r>
-              <a:rPr lang="en-US" dirty="0" smtClean="0"/>
-              <a:t>Data</a:t>
-            </a:r>
-            <a:endParaRPr lang="en-US" dirty="0" smtClean="0"/>
+              <a:t>How BigQuery Stores Data</a:t>
+            </a:r>
           </a:p>
           <a:p>
             <a:r>
@@ -5288,7 +5283,6 @@
               <a:rPr lang="en-US" dirty="0"/>
               <a:t>Vijay Kumar Karanam</a:t>
             </a:r>
-            <a:endParaRPr lang="en-US" dirty="0"/>
           </a:p>
         </p:txBody>
       </p:sp>
@@ -5435,7 +5429,6 @@
               <a:rPr lang="en-US" dirty="0"/>
               <a:t>Vijay Kumar Karanam</a:t>
             </a:r>
-            <a:endParaRPr lang="en-US" dirty="0"/>
           </a:p>
         </p:txBody>
       </p:sp>
@@ -5578,7 +5571,6 @@
               <a:rPr lang="en-US" dirty="0"/>
               <a:t> — Columnar storage can achieve a compression ratio of 1:10, whereas ordinary row-based storage can compress at roughly 1:3.</a:t>
             </a:r>
-            <a:endParaRPr lang="en-US" dirty="0"/>
           </a:p>
         </p:txBody>
       </p:sp>
@@ -5607,7 +5599,6 @@
               <a:rPr lang="en-US" dirty="0"/>
               <a:t>Vijay Kumar Karanam</a:t>
             </a:r>
-            <a:endParaRPr lang="en-US" dirty="0"/>
           </a:p>
         </p:txBody>
       </p:sp>
@@ -5774,7 +5765,6 @@
               <a:rPr lang="en-US" dirty="0"/>
               <a:t>Vijay Kumar Karanam</a:t>
             </a:r>
-            <a:endParaRPr lang="en-US" dirty="0"/>
           </a:p>
         </p:txBody>
       </p:sp>
@@ -5902,7 +5892,6 @@
               <a:rPr lang="en-US" dirty="0"/>
               <a:t>There are more similarities in both the data warehouses than the differences.</a:t>
             </a:r>
-            <a:endParaRPr lang="en-US" dirty="0"/>
           </a:p>
         </p:txBody>
       </p:sp>
@@ -5931,7 +5920,6 @@
               <a:rPr lang="en-US" dirty="0"/>
               <a:t>Vijay Kumar Karanam</a:t>
             </a:r>
-            <a:endParaRPr lang="en-US" dirty="0"/>
           </a:p>
         </p:txBody>
       </p:sp>
@@ -6842,6 +6830,132 @@
 </file>
 
 <file path=customXml/item2.xml><?xml version="1.0" encoding="utf-8"?>
+<p:properties xmlns:p="http://schemas.microsoft.com/office/2006/metadata/properties" xmlns:xsi="http://www.w3.org/2001/XMLSchema-instance" xmlns:pc="http://schemas.microsoft.com/office/infopath/2007/PartnerControls">
+  <documentManagement>
+    <DirectSourceMarket xmlns="4873beb7-5857-4685-be1f-d57550cc96cc" xsi:nil="true"/>
+    <ApprovalStatus xmlns="4873beb7-5857-4685-be1f-d57550cc96cc">InProgress</ApprovalStatus>
+    <MarketSpecific xmlns="4873beb7-5857-4685-be1f-d57550cc96cc">false</MarketSpecific>
+    <LocComments xmlns="4873beb7-5857-4685-be1f-d57550cc96cc" xsi:nil="true"/>
+    <ThumbnailAssetId xmlns="4873beb7-5857-4685-be1f-d57550cc96cc" xsi:nil="true"/>
+    <PrimaryImageGen xmlns="4873beb7-5857-4685-be1f-d57550cc96cc">false</PrimaryImageGen>
+    <LegacyData xmlns="4873beb7-5857-4685-be1f-d57550cc96cc" xsi:nil="true"/>
+    <LocRecommendedHandoff xmlns="4873beb7-5857-4685-be1f-d57550cc96cc" xsi:nil="true"/>
+    <BusinessGroup xmlns="4873beb7-5857-4685-be1f-d57550cc96cc" xsi:nil="true"/>
+    <BlockPublish xmlns="4873beb7-5857-4685-be1f-d57550cc96cc">false</BlockPublish>
+    <TPFriendlyName xmlns="4873beb7-5857-4685-be1f-d57550cc96cc" xsi:nil="true"/>
+    <NumericId xmlns="4873beb7-5857-4685-be1f-d57550cc96cc" xsi:nil="true"/>
+    <APEditor xmlns="4873beb7-5857-4685-be1f-d57550cc96cc">
+      <UserInfo>
+        <DisplayName/>
+        <AccountId xsi:nil="true"/>
+        <AccountType/>
+      </UserInfo>
+    </APEditor>
+    <SourceTitle xmlns="4873beb7-5857-4685-be1f-d57550cc96cc" xsi:nil="true"/>
+    <OpenTemplate xmlns="4873beb7-5857-4685-be1f-d57550cc96cc">true</OpenTemplate>
+    <UALocComments xmlns="4873beb7-5857-4685-be1f-d57550cc96cc" xsi:nil="true"/>
+    <ParentAssetId xmlns="4873beb7-5857-4685-be1f-d57550cc96cc" xsi:nil="true"/>
+    <IntlLangReviewDate xmlns="4873beb7-5857-4685-be1f-d57550cc96cc" xsi:nil="true"/>
+    <FeatureTagsTaxHTField0 xmlns="4873beb7-5857-4685-be1f-d57550cc96cc">
+      <Terms xmlns="http://schemas.microsoft.com/office/infopath/2007/PartnerControls"/>
+    </FeatureTagsTaxHTField0>
+    <PublishStatusLookup xmlns="4873beb7-5857-4685-be1f-d57550cc96cc">
+      <Value>1360476</Value>
+    </PublishStatusLookup>
+    <Providers xmlns="4873beb7-5857-4685-be1f-d57550cc96cc" xsi:nil="true"/>
+    <MachineTranslated xmlns="4873beb7-5857-4685-be1f-d57550cc96cc">false</MachineTranslated>
+    <OriginalSourceMarket xmlns="4873beb7-5857-4685-be1f-d57550cc96cc" xsi:nil="true"/>
+    <APDescription xmlns="4873beb7-5857-4685-be1f-d57550cc96cc" xsi:nil="true"/>
+    <ClipArtFilename xmlns="4873beb7-5857-4685-be1f-d57550cc96cc" xsi:nil="true"/>
+    <ContentItem xmlns="4873beb7-5857-4685-be1f-d57550cc96cc" xsi:nil="true"/>
+    <TPInstallLocation xmlns="4873beb7-5857-4685-be1f-d57550cc96cc" xsi:nil="true"/>
+    <PublishTargets xmlns="4873beb7-5857-4685-be1f-d57550cc96cc">OfficeOnlineVNext</PublishTargets>
+    <TimesCloned xmlns="4873beb7-5857-4685-be1f-d57550cc96cc" xsi:nil="true"/>
+    <AssetStart xmlns="4873beb7-5857-4685-be1f-d57550cc96cc">2011-12-12T13:37:00+00:00</AssetStart>
+    <Provider xmlns="4873beb7-5857-4685-be1f-d57550cc96cc" xsi:nil="true"/>
+    <AcquiredFrom xmlns="4873beb7-5857-4685-be1f-d57550cc96cc">Internal MS</AcquiredFrom>
+    <FriendlyTitle xmlns="4873beb7-5857-4685-be1f-d57550cc96cc" xsi:nil="true"/>
+    <LastHandOff xmlns="4873beb7-5857-4685-be1f-d57550cc96cc" xsi:nil="true"/>
+    <TPClientViewer xmlns="4873beb7-5857-4685-be1f-d57550cc96cc" xsi:nil="true"/>
+    <UACurrentWords xmlns="4873beb7-5857-4685-be1f-d57550cc96cc" xsi:nil="true"/>
+    <ArtSampleDocs xmlns="4873beb7-5857-4685-be1f-d57550cc96cc" xsi:nil="true"/>
+    <UALocRecommendation xmlns="4873beb7-5857-4685-be1f-d57550cc96cc">Localize</UALocRecommendation>
+    <Manager xmlns="4873beb7-5857-4685-be1f-d57550cc96cc" xsi:nil="true"/>
+    <ShowIn xmlns="4873beb7-5857-4685-be1f-d57550cc96cc">Show everywhere</ShowIn>
+    <UANotes xmlns="4873beb7-5857-4685-be1f-d57550cc96cc" xsi:nil="true"/>
+    <TemplateStatus xmlns="4873beb7-5857-4685-be1f-d57550cc96cc">Complete</TemplateStatus>
+    <InternalTagsTaxHTField0 xmlns="4873beb7-5857-4685-be1f-d57550cc96cc">
+      <Terms xmlns="http://schemas.microsoft.com/office/infopath/2007/PartnerControls"/>
+    </InternalTagsTaxHTField0>
+    <CSXHash xmlns="4873beb7-5857-4685-be1f-d57550cc96cc" xsi:nil="true"/>
+    <Downloads xmlns="4873beb7-5857-4685-be1f-d57550cc96cc">0</Downloads>
+    <VoteCount xmlns="4873beb7-5857-4685-be1f-d57550cc96cc" xsi:nil="true"/>
+    <OOCacheId xmlns="4873beb7-5857-4685-be1f-d57550cc96cc" xsi:nil="true"/>
+    <IsDeleted xmlns="4873beb7-5857-4685-be1f-d57550cc96cc">false</IsDeleted>
+    <AssetExpire xmlns="4873beb7-5857-4685-be1f-d57550cc96cc">2035-01-01T08:00:00+00:00</AssetExpire>
+    <DSATActionTaken xmlns="4873beb7-5857-4685-be1f-d57550cc96cc" xsi:nil="true"/>
+    <CSXSubmissionMarket xmlns="4873beb7-5857-4685-be1f-d57550cc96cc" xsi:nil="true"/>
+    <TPExecutable xmlns="4873beb7-5857-4685-be1f-d57550cc96cc" xsi:nil="true"/>
+    <SubmitterId xmlns="4873beb7-5857-4685-be1f-d57550cc96cc" xsi:nil="true"/>
+    <EditorialTags xmlns="4873beb7-5857-4685-be1f-d57550cc96cc" xsi:nil="true"/>
+    <ApprovalLog xmlns="4873beb7-5857-4685-be1f-d57550cc96cc" xsi:nil="true"/>
+    <AssetType xmlns="4873beb7-5857-4685-be1f-d57550cc96cc">TP</AssetType>
+    <BugNumber xmlns="4873beb7-5857-4685-be1f-d57550cc96cc" xsi:nil="true"/>
+    <CSXSubmissionDate xmlns="4873beb7-5857-4685-be1f-d57550cc96cc" xsi:nil="true"/>
+    <CSXUpdate xmlns="4873beb7-5857-4685-be1f-d57550cc96cc">false</CSXUpdate>
+    <Milestone xmlns="4873beb7-5857-4685-be1f-d57550cc96cc" xsi:nil="true"/>
+    <RecommendationsModifier xmlns="4873beb7-5857-4685-be1f-d57550cc96cc" xsi:nil="true"/>
+    <OriginAsset xmlns="4873beb7-5857-4685-be1f-d57550cc96cc" xsi:nil="true"/>
+    <TPComponent xmlns="4873beb7-5857-4685-be1f-d57550cc96cc" xsi:nil="true"/>
+    <AssetId xmlns="4873beb7-5857-4685-be1f-d57550cc96cc">TP102801058</AssetId>
+    <IntlLocPriority xmlns="4873beb7-5857-4685-be1f-d57550cc96cc" xsi:nil="true"/>
+    <PolicheckWords xmlns="4873beb7-5857-4685-be1f-d57550cc96cc" xsi:nil="true"/>
+    <TPLaunchHelpLink xmlns="4873beb7-5857-4685-be1f-d57550cc96cc" xsi:nil="true"/>
+    <TPApplication xmlns="4873beb7-5857-4685-be1f-d57550cc96cc" xsi:nil="true"/>
+    <CrawlForDependencies xmlns="4873beb7-5857-4685-be1f-d57550cc96cc">false</CrawlForDependencies>
+    <HandoffToMSDN xmlns="4873beb7-5857-4685-be1f-d57550cc96cc" xsi:nil="true"/>
+    <PlannedPubDate xmlns="4873beb7-5857-4685-be1f-d57550cc96cc" xsi:nil="true"/>
+    <IntlLangReviewer xmlns="4873beb7-5857-4685-be1f-d57550cc96cc" xsi:nil="true"/>
+    <TrustLevel xmlns="4873beb7-5857-4685-be1f-d57550cc96cc">1 Microsoft Managed Content</TrustLevel>
+    <LocLastLocAttemptVersionLookup xmlns="4873beb7-5857-4685-be1f-d57550cc96cc">706496</LocLastLocAttemptVersionLookup>
+    <IsSearchable xmlns="4873beb7-5857-4685-be1f-d57550cc96cc">true</IsSearchable>
+    <TemplateTemplateType xmlns="4873beb7-5857-4685-be1f-d57550cc96cc">PowerPoint Presentation Template</TemplateTemplateType>
+    <CampaignTagsTaxHTField0 xmlns="4873beb7-5857-4685-be1f-d57550cc96cc">
+      <Terms xmlns="http://schemas.microsoft.com/office/infopath/2007/PartnerControls"/>
+    </CampaignTagsTaxHTField0>
+    <TPNamespace xmlns="4873beb7-5857-4685-be1f-d57550cc96cc" xsi:nil="true"/>
+    <TaxCatchAll xmlns="4873beb7-5857-4685-be1f-d57550cc96cc"/>
+    <Markets xmlns="4873beb7-5857-4685-be1f-d57550cc96cc"/>
+    <UAProjectedTotalWords xmlns="4873beb7-5857-4685-be1f-d57550cc96cc" xsi:nil="true"/>
+    <IntlLangReview xmlns="4873beb7-5857-4685-be1f-d57550cc96cc">false</IntlLangReview>
+    <OutputCachingOn xmlns="4873beb7-5857-4685-be1f-d57550cc96cc">false</OutputCachingOn>
+    <AverageRating xmlns="4873beb7-5857-4685-be1f-d57550cc96cc" xsi:nil="true"/>
+    <APAuthor xmlns="4873beb7-5857-4685-be1f-d57550cc96cc">
+      <UserInfo>
+        <DisplayName>REDMOND\v-soujap</DisplayName>
+        <AccountId>1954</AccountId>
+        <AccountType/>
+      </UserInfo>
+    </APAuthor>
+    <LocManualTestRequired xmlns="4873beb7-5857-4685-be1f-d57550cc96cc">false</LocManualTestRequired>
+    <TPCommandLine xmlns="4873beb7-5857-4685-be1f-d57550cc96cc" xsi:nil="true"/>
+    <TPAppVersion xmlns="4873beb7-5857-4685-be1f-d57550cc96cc" xsi:nil="true"/>
+    <EditorialStatus xmlns="4873beb7-5857-4685-be1f-d57550cc96cc">Complete</EditorialStatus>
+    <LastModifiedDateTime xmlns="4873beb7-5857-4685-be1f-d57550cc96cc" xsi:nil="true"/>
+    <ScenarioTagsTaxHTField0 xmlns="4873beb7-5857-4685-be1f-d57550cc96cc">
+      <Terms xmlns="http://schemas.microsoft.com/office/infopath/2007/PartnerControls"/>
+    </ScenarioTagsTaxHTField0>
+    <OriginalRelease xmlns="4873beb7-5857-4685-be1f-d57550cc96cc">14</OriginalRelease>
+    <TPLaunchHelpLinkType xmlns="4873beb7-5857-4685-be1f-d57550cc96cc">Template</TPLaunchHelpLinkType>
+    <LocalizationTagsTaxHTField0 xmlns="4873beb7-5857-4685-be1f-d57550cc96cc">
+      <Terms xmlns="http://schemas.microsoft.com/office/infopath/2007/PartnerControls"/>
+    </LocalizationTagsTaxHTField0>
+    <LocMarketGroupTiers2 xmlns="4873beb7-5857-4685-be1f-d57550cc96cc" xsi:nil="true"/>
+  </documentManagement>
+</p:properties>
+</file>
+
+<file path=customXml/item3.xml><?xml version="1.0" encoding="utf-8"?>
 <ct:contentTypeSchema xmlns:ct="http://schemas.microsoft.com/office/2006/metadata/contentType" xmlns:ma="http://schemas.microsoft.com/office/2006/metadata/properties/metaAttributes" ct:_="" ma:_="" ma:contentTypeName="TemplateFile" ma:contentTypeID="0x0101006EDDDB5EE6D98C44930B742096920B300400F5B6D36B3EF94B4E9A635CDF2A18F5B8" ma:contentTypeVersion="72" ma:contentTypeDescription="Create a new document." ma:contentTypeScope="" ma:versionID="a23e56308344d904b51738559c3d67c9">
   <xsd:schema xmlns:xsd="http://www.w3.org/2001/XMLSchema" xmlns:xs="http://www.w3.org/2001/XMLSchema" xmlns:p="http://schemas.microsoft.com/office/2006/metadata/properties" xmlns:ns2="4873beb7-5857-4685-be1f-d57550cc96cc" targetNamespace="http://schemas.microsoft.com/office/2006/metadata/properties" ma:root="true" ma:fieldsID="cd0908cc4600e77bf5da051303e00c8d" ns2:_="">
     <xsd:import namespace="4873beb7-5857-4685-be1f-d57550cc96cc"/>
@@ -7881,132 +7995,6 @@
 </ct:contentTypeSchema>
 </file>
 
-<file path=customXml/item3.xml><?xml version="1.0" encoding="utf-8"?>
-<p:properties xmlns:p="http://schemas.microsoft.com/office/2006/metadata/properties" xmlns:xsi="http://www.w3.org/2001/XMLSchema-instance" xmlns:pc="http://schemas.microsoft.com/office/infopath/2007/PartnerControls">
-  <documentManagement>
-    <DirectSourceMarket xmlns="4873beb7-5857-4685-be1f-d57550cc96cc" xsi:nil="true"/>
-    <ApprovalStatus xmlns="4873beb7-5857-4685-be1f-d57550cc96cc">InProgress</ApprovalStatus>
-    <MarketSpecific xmlns="4873beb7-5857-4685-be1f-d57550cc96cc">false</MarketSpecific>
-    <LocComments xmlns="4873beb7-5857-4685-be1f-d57550cc96cc" xsi:nil="true"/>
-    <ThumbnailAssetId xmlns="4873beb7-5857-4685-be1f-d57550cc96cc" xsi:nil="true"/>
-    <PrimaryImageGen xmlns="4873beb7-5857-4685-be1f-d57550cc96cc">false</PrimaryImageGen>
-    <LegacyData xmlns="4873beb7-5857-4685-be1f-d57550cc96cc" xsi:nil="true"/>
-    <LocRecommendedHandoff xmlns="4873beb7-5857-4685-be1f-d57550cc96cc" xsi:nil="true"/>
-    <BusinessGroup xmlns="4873beb7-5857-4685-be1f-d57550cc96cc" xsi:nil="true"/>
-    <BlockPublish xmlns="4873beb7-5857-4685-be1f-d57550cc96cc">false</BlockPublish>
-    <TPFriendlyName xmlns="4873beb7-5857-4685-be1f-d57550cc96cc" xsi:nil="true"/>
-    <NumericId xmlns="4873beb7-5857-4685-be1f-d57550cc96cc" xsi:nil="true"/>
-    <APEditor xmlns="4873beb7-5857-4685-be1f-d57550cc96cc">
-      <UserInfo>
-        <DisplayName/>
-        <AccountId xsi:nil="true"/>
-        <AccountType/>
-      </UserInfo>
-    </APEditor>
-    <SourceTitle xmlns="4873beb7-5857-4685-be1f-d57550cc96cc" xsi:nil="true"/>
-    <OpenTemplate xmlns="4873beb7-5857-4685-be1f-d57550cc96cc">true</OpenTemplate>
-    <UALocComments xmlns="4873beb7-5857-4685-be1f-d57550cc96cc" xsi:nil="true"/>
-    <ParentAssetId xmlns="4873beb7-5857-4685-be1f-d57550cc96cc" xsi:nil="true"/>
-    <IntlLangReviewDate xmlns="4873beb7-5857-4685-be1f-d57550cc96cc" xsi:nil="true"/>
-    <FeatureTagsTaxHTField0 xmlns="4873beb7-5857-4685-be1f-d57550cc96cc">
-      <Terms xmlns="http://schemas.microsoft.com/office/infopath/2007/PartnerControls"/>
-    </FeatureTagsTaxHTField0>
-    <PublishStatusLookup xmlns="4873beb7-5857-4685-be1f-d57550cc96cc">
-      <Value>1360476</Value>
-    </PublishStatusLookup>
-    <Providers xmlns="4873beb7-5857-4685-be1f-d57550cc96cc" xsi:nil="true"/>
-    <MachineTranslated xmlns="4873beb7-5857-4685-be1f-d57550cc96cc">false</MachineTranslated>
-    <OriginalSourceMarket xmlns="4873beb7-5857-4685-be1f-d57550cc96cc" xsi:nil="true"/>
-    <APDescription xmlns="4873beb7-5857-4685-be1f-d57550cc96cc" xsi:nil="true"/>
-    <ClipArtFilename xmlns="4873beb7-5857-4685-be1f-d57550cc96cc" xsi:nil="true"/>
-    <ContentItem xmlns="4873beb7-5857-4685-be1f-d57550cc96cc" xsi:nil="true"/>
-    <TPInstallLocation xmlns="4873beb7-5857-4685-be1f-d57550cc96cc" xsi:nil="true"/>
-    <PublishTargets xmlns="4873beb7-5857-4685-be1f-d57550cc96cc">OfficeOnlineVNext</PublishTargets>
-    <TimesCloned xmlns="4873beb7-5857-4685-be1f-d57550cc96cc" xsi:nil="true"/>
-    <AssetStart xmlns="4873beb7-5857-4685-be1f-d57550cc96cc">2011-12-12T13:37:00+00:00</AssetStart>
-    <Provider xmlns="4873beb7-5857-4685-be1f-d57550cc96cc" xsi:nil="true"/>
-    <AcquiredFrom xmlns="4873beb7-5857-4685-be1f-d57550cc96cc">Internal MS</AcquiredFrom>
-    <FriendlyTitle xmlns="4873beb7-5857-4685-be1f-d57550cc96cc" xsi:nil="true"/>
-    <LastHandOff xmlns="4873beb7-5857-4685-be1f-d57550cc96cc" xsi:nil="true"/>
-    <TPClientViewer xmlns="4873beb7-5857-4685-be1f-d57550cc96cc" xsi:nil="true"/>
-    <UACurrentWords xmlns="4873beb7-5857-4685-be1f-d57550cc96cc" xsi:nil="true"/>
-    <ArtSampleDocs xmlns="4873beb7-5857-4685-be1f-d57550cc96cc" xsi:nil="true"/>
-    <UALocRecommendation xmlns="4873beb7-5857-4685-be1f-d57550cc96cc">Localize</UALocRecommendation>
-    <Manager xmlns="4873beb7-5857-4685-be1f-d57550cc96cc" xsi:nil="true"/>
-    <ShowIn xmlns="4873beb7-5857-4685-be1f-d57550cc96cc">Show everywhere</ShowIn>
-    <UANotes xmlns="4873beb7-5857-4685-be1f-d57550cc96cc" xsi:nil="true"/>
-    <TemplateStatus xmlns="4873beb7-5857-4685-be1f-d57550cc96cc">Complete</TemplateStatus>
-    <InternalTagsTaxHTField0 xmlns="4873beb7-5857-4685-be1f-d57550cc96cc">
-      <Terms xmlns="http://schemas.microsoft.com/office/infopath/2007/PartnerControls"/>
-    </InternalTagsTaxHTField0>
-    <CSXHash xmlns="4873beb7-5857-4685-be1f-d57550cc96cc" xsi:nil="true"/>
-    <Downloads xmlns="4873beb7-5857-4685-be1f-d57550cc96cc">0</Downloads>
-    <VoteCount xmlns="4873beb7-5857-4685-be1f-d57550cc96cc" xsi:nil="true"/>
-    <OOCacheId xmlns="4873beb7-5857-4685-be1f-d57550cc96cc" xsi:nil="true"/>
-    <IsDeleted xmlns="4873beb7-5857-4685-be1f-d57550cc96cc">false</IsDeleted>
-    <AssetExpire xmlns="4873beb7-5857-4685-be1f-d57550cc96cc">2035-01-01T08:00:00+00:00</AssetExpire>
-    <DSATActionTaken xmlns="4873beb7-5857-4685-be1f-d57550cc96cc" xsi:nil="true"/>
-    <CSXSubmissionMarket xmlns="4873beb7-5857-4685-be1f-d57550cc96cc" xsi:nil="true"/>
-    <TPExecutable xmlns="4873beb7-5857-4685-be1f-d57550cc96cc" xsi:nil="true"/>
-    <SubmitterId xmlns="4873beb7-5857-4685-be1f-d57550cc96cc" xsi:nil="true"/>
-    <EditorialTags xmlns="4873beb7-5857-4685-be1f-d57550cc96cc" xsi:nil="true"/>
-    <ApprovalLog xmlns="4873beb7-5857-4685-be1f-d57550cc96cc" xsi:nil="true"/>
-    <AssetType xmlns="4873beb7-5857-4685-be1f-d57550cc96cc">TP</AssetType>
-    <BugNumber xmlns="4873beb7-5857-4685-be1f-d57550cc96cc" xsi:nil="true"/>
-    <CSXSubmissionDate xmlns="4873beb7-5857-4685-be1f-d57550cc96cc" xsi:nil="true"/>
-    <CSXUpdate xmlns="4873beb7-5857-4685-be1f-d57550cc96cc">false</CSXUpdate>
-    <Milestone xmlns="4873beb7-5857-4685-be1f-d57550cc96cc" xsi:nil="true"/>
-    <RecommendationsModifier xmlns="4873beb7-5857-4685-be1f-d57550cc96cc" xsi:nil="true"/>
-    <OriginAsset xmlns="4873beb7-5857-4685-be1f-d57550cc96cc" xsi:nil="true"/>
-    <TPComponent xmlns="4873beb7-5857-4685-be1f-d57550cc96cc" xsi:nil="true"/>
-    <AssetId xmlns="4873beb7-5857-4685-be1f-d57550cc96cc">TP102801058</AssetId>
-    <IntlLocPriority xmlns="4873beb7-5857-4685-be1f-d57550cc96cc" xsi:nil="true"/>
-    <PolicheckWords xmlns="4873beb7-5857-4685-be1f-d57550cc96cc" xsi:nil="true"/>
-    <TPLaunchHelpLink xmlns="4873beb7-5857-4685-be1f-d57550cc96cc" xsi:nil="true"/>
-    <TPApplication xmlns="4873beb7-5857-4685-be1f-d57550cc96cc" xsi:nil="true"/>
-    <CrawlForDependencies xmlns="4873beb7-5857-4685-be1f-d57550cc96cc">false</CrawlForDependencies>
-    <HandoffToMSDN xmlns="4873beb7-5857-4685-be1f-d57550cc96cc" xsi:nil="true"/>
-    <PlannedPubDate xmlns="4873beb7-5857-4685-be1f-d57550cc96cc" xsi:nil="true"/>
-    <IntlLangReviewer xmlns="4873beb7-5857-4685-be1f-d57550cc96cc" xsi:nil="true"/>
-    <TrustLevel xmlns="4873beb7-5857-4685-be1f-d57550cc96cc">1 Microsoft Managed Content</TrustLevel>
-    <LocLastLocAttemptVersionLookup xmlns="4873beb7-5857-4685-be1f-d57550cc96cc">706496</LocLastLocAttemptVersionLookup>
-    <IsSearchable xmlns="4873beb7-5857-4685-be1f-d57550cc96cc">true</IsSearchable>
-    <TemplateTemplateType xmlns="4873beb7-5857-4685-be1f-d57550cc96cc">PowerPoint Presentation Template</TemplateTemplateType>
-    <CampaignTagsTaxHTField0 xmlns="4873beb7-5857-4685-be1f-d57550cc96cc">
-      <Terms xmlns="http://schemas.microsoft.com/office/infopath/2007/PartnerControls"/>
-    </CampaignTagsTaxHTField0>
-    <TPNamespace xmlns="4873beb7-5857-4685-be1f-d57550cc96cc" xsi:nil="true"/>
-    <TaxCatchAll xmlns="4873beb7-5857-4685-be1f-d57550cc96cc"/>
-    <Markets xmlns="4873beb7-5857-4685-be1f-d57550cc96cc"/>
-    <UAProjectedTotalWords xmlns="4873beb7-5857-4685-be1f-d57550cc96cc" xsi:nil="true"/>
-    <IntlLangReview xmlns="4873beb7-5857-4685-be1f-d57550cc96cc">false</IntlLangReview>
-    <OutputCachingOn xmlns="4873beb7-5857-4685-be1f-d57550cc96cc">false</OutputCachingOn>
-    <AverageRating xmlns="4873beb7-5857-4685-be1f-d57550cc96cc" xsi:nil="true"/>
-    <APAuthor xmlns="4873beb7-5857-4685-be1f-d57550cc96cc">
-      <UserInfo>
-        <DisplayName>REDMOND\v-soujap</DisplayName>
-        <AccountId>1954</AccountId>
-        <AccountType/>
-      </UserInfo>
-    </APAuthor>
-    <LocManualTestRequired xmlns="4873beb7-5857-4685-be1f-d57550cc96cc">false</LocManualTestRequired>
-    <TPCommandLine xmlns="4873beb7-5857-4685-be1f-d57550cc96cc" xsi:nil="true"/>
-    <TPAppVersion xmlns="4873beb7-5857-4685-be1f-d57550cc96cc" xsi:nil="true"/>
-    <EditorialStatus xmlns="4873beb7-5857-4685-be1f-d57550cc96cc">Complete</EditorialStatus>
-    <LastModifiedDateTime xmlns="4873beb7-5857-4685-be1f-d57550cc96cc" xsi:nil="true"/>
-    <ScenarioTagsTaxHTField0 xmlns="4873beb7-5857-4685-be1f-d57550cc96cc">
-      <Terms xmlns="http://schemas.microsoft.com/office/infopath/2007/PartnerControls"/>
-    </ScenarioTagsTaxHTField0>
-    <OriginalRelease xmlns="4873beb7-5857-4685-be1f-d57550cc96cc">14</OriginalRelease>
-    <TPLaunchHelpLinkType xmlns="4873beb7-5857-4685-be1f-d57550cc96cc">Template</TPLaunchHelpLinkType>
-    <LocalizationTagsTaxHTField0 xmlns="4873beb7-5857-4685-be1f-d57550cc96cc">
-      <Terms xmlns="http://schemas.microsoft.com/office/infopath/2007/PartnerControls"/>
-    </LocalizationTagsTaxHTField0>
-    <LocMarketGroupTiers2 xmlns="4873beb7-5857-4685-be1f-d57550cc96cc" xsi:nil="true"/>
-  </documentManagement>
-</p:properties>
-</file>
-
 <file path=customXml/itemProps1.xml><?xml version="1.0" encoding="utf-8"?>
 <ds:datastoreItem xmlns:ds="http://schemas.openxmlformats.org/officeDocument/2006/customXml" ds:itemID="{8D003AC8-209A-4321-A17C-1B7A20643390}">
   <ds:schemaRefs>
@@ -8016,6 +8004,22 @@
 </file>
 
 <file path=customXml/itemProps2.xml><?xml version="1.0" encoding="utf-8"?>
+<ds:datastoreItem xmlns:ds="http://schemas.openxmlformats.org/officeDocument/2006/customXml" ds:itemID="{4ED80E12-3BE9-4746-820E-FFB249F467F2}">
+  <ds:schemaRefs>
+    <ds:schemaRef ds:uri="http://schemas.microsoft.com/office/2006/documentManagement/types"/>
+    <ds:schemaRef ds:uri="http://purl.org/dc/elements/1.1/"/>
+    <ds:schemaRef ds:uri="http://schemas.microsoft.com/office/2006/metadata/properties"/>
+    <ds:schemaRef ds:uri="4873beb7-5857-4685-be1f-d57550cc96cc"/>
+    <ds:schemaRef ds:uri="http://schemas.openxmlformats.org/package/2006/metadata/core-properties"/>
+    <ds:schemaRef ds:uri="http://purl.org/dc/terms/"/>
+    <ds:schemaRef ds:uri="http://schemas.microsoft.com/office/infopath/2007/PartnerControls"/>
+    <ds:schemaRef ds:uri="http://www.w3.org/XML/1998/namespace"/>
+    <ds:schemaRef ds:uri="http://purl.org/dc/dcmitype/"/>
+  </ds:schemaRefs>
+</ds:datastoreItem>
+</file>
+
+<file path=customXml/itemProps3.xml><?xml version="1.0" encoding="utf-8"?>
 <ds:datastoreItem xmlns:ds="http://schemas.openxmlformats.org/officeDocument/2006/customXml" ds:itemID="{83ED4759-CFDD-43F0-817C-11D9197192BA}">
   <ds:schemaRefs>
     <ds:schemaRef ds:uri="http://schemas.microsoft.com/office/2006/metadata/contentType"/>
@@ -8031,20 +8035,4 @@
     <ds:schemaRef ds:uri="http://schemas.microsoft.com/internal/obd"/>
   </ds:schemaRefs>
 </ds:datastoreItem>
-</file>
-
-<file path=customXml/itemProps3.xml><?xml version="1.0" encoding="utf-8"?>
-<ds:datastoreItem xmlns:ds="http://schemas.openxmlformats.org/officeDocument/2006/customXml" ds:itemID="{4ED80E12-3BE9-4746-820E-FFB249F467F2}">
-  <ds:schemaRefs>
-    <ds:schemaRef ds:uri="http://schemas.microsoft.com/office/2006/documentManagement/types"/>
-    <ds:schemaRef ds:uri="http://purl.org/dc/elements/1.1/"/>
-    <ds:schemaRef ds:uri="http://schemas.microsoft.com/office/2006/metadata/properties"/>
-    <ds:schemaRef ds:uri="4873beb7-5857-4685-be1f-d57550cc96cc"/>
-    <ds:schemaRef ds:uri="http://schemas.openxmlformats.org/package/2006/metadata/core-properties"/>
-    <ds:schemaRef ds:uri="http://purl.org/dc/terms/"/>
-    <ds:schemaRef ds:uri="http://schemas.microsoft.com/office/infopath/2007/PartnerControls"/>
-    <ds:schemaRef ds:uri="http://www.w3.org/XML/1998/namespace"/>
-    <ds:schemaRef ds:uri="http://purl.org/dc/dcmitype/"/>
-  </ds:schemaRefs>
-</ds:datastoreItem>
 </file>
--- a/Google BigQuery.pptx
+++ b/Google BigQuery.pptx
@@ -234,7 +234,7 @@
           <a:p>
             <a:fld id="{30E6E22E-288A-414B-A8DE-E4DBD03D5FC0}" type="datetimeFigureOut">
               <a:rPr lang="en-US"/>
-              <a:t>4/18/2020</a:t>
+              <a:t>4/19/2020</a:t>
             </a:fld>
             <a:endParaRPr/>
           </a:p>
@@ -399,7 +399,7 @@
           <a:p>
             <a:fld id="{39A9AE7E-E0F9-4C51-AD9A-F4C3A6E23BBF}" type="datetimeFigureOut">
               <a:rPr lang="en-US"/>
-              <a:t>4/18/2020</a:t>
+              <a:t>4/19/2020</a:t>
             </a:fld>
             <a:endParaRPr/>
           </a:p>
@@ -904,7 +904,7 @@
             <a:fld id="{8E36636D-D922-432D-A958-524484B5923D}" type="datetimeFigureOut">
               <a:rPr lang="en-US"/>
               <a:pPr/>
-              <a:t>4/18/2020</a:t>
+              <a:t>4/19/2020</a:t>
             </a:fld>
             <a:endParaRPr/>
           </a:p>
@@ -1514,7 +1514,7 @@
             <a:fld id="{8E36636D-D922-432D-A958-524484B5923D}" type="datetimeFigureOut">
               <a:rPr lang="en-US"/>
               <a:pPr/>
-              <a:t>4/18/2020</a:t>
+              <a:t>4/19/2020</a:t>
             </a:fld>
             <a:endParaRPr/>
           </a:p>
@@ -1724,7 +1724,7 @@
             <a:fld id="{8E36636D-D922-432D-A958-524484B5923D}" type="datetimeFigureOut">
               <a:rPr lang="en-US"/>
               <a:pPr/>
-              <a:t>4/18/2020</a:t>
+              <a:t>4/19/2020</a:t>
             </a:fld>
             <a:endParaRPr/>
           </a:p>
@@ -1924,7 +1924,7 @@
             <a:fld id="{8E36636D-D922-432D-A958-524484B5923D}" type="datetimeFigureOut">
               <a:rPr lang="en-US"/>
               <a:pPr/>
-              <a:t>4/18/2020</a:t>
+              <a:t>4/19/2020</a:t>
             </a:fld>
             <a:endParaRPr/>
           </a:p>
@@ -2190,7 +2190,7 @@
             <a:fld id="{8E36636D-D922-432D-A958-524484B5923D}" type="datetimeFigureOut">
               <a:rPr lang="en-US"/>
               <a:pPr/>
-              <a:t>4/18/2020</a:t>
+              <a:t>4/19/2020</a:t>
             </a:fld>
             <a:endParaRPr/>
           </a:p>
@@ -2700,7 +2700,7 @@
             <a:fld id="{8E36636D-D922-432D-A958-524484B5923D}" type="datetimeFigureOut">
               <a:rPr lang="en-US"/>
               <a:pPr/>
-              <a:t>4/18/2020</a:t>
+              <a:t>4/19/2020</a:t>
             </a:fld>
             <a:endParaRPr/>
           </a:p>
@@ -3162,7 +3162,7 @@
             <a:fld id="{8E36636D-D922-432D-A958-524484B5923D}" type="datetimeFigureOut">
               <a:rPr lang="en-US"/>
               <a:pPr/>
-              <a:t>4/18/2020</a:t>
+              <a:t>4/19/2020</a:t>
             </a:fld>
             <a:endParaRPr/>
           </a:p>
@@ -3294,7 +3294,7 @@
             <a:fld id="{8E36636D-D922-432D-A958-524484B5923D}" type="datetimeFigureOut">
               <a:rPr lang="en-US"/>
               <a:pPr/>
-              <a:t>4/18/2020</a:t>
+              <a:t>4/19/2020</a:t>
             </a:fld>
             <a:endParaRPr/>
           </a:p>
@@ -3403,7 +3403,7 @@
             <a:fld id="{8E36636D-D922-432D-A958-524484B5923D}" type="datetimeFigureOut">
               <a:rPr lang="en-US"/>
               <a:pPr/>
-              <a:t>4/18/2020</a:t>
+              <a:t>4/19/2020</a:t>
             </a:fld>
             <a:endParaRPr/>
           </a:p>
@@ -3698,7 +3698,7 @@
             <a:fld id="{8E36636D-D922-432D-A958-524484B5923D}" type="datetimeFigureOut">
               <a:rPr lang="en-US"/>
               <a:pPr/>
-              <a:t>4/18/2020</a:t>
+              <a:t>4/19/2020</a:t>
             </a:fld>
             <a:endParaRPr/>
           </a:p>
@@ -4023,7 +4023,7 @@
             <a:fld id="{8E36636D-D922-432D-A958-524484B5923D}" type="datetimeFigureOut">
               <a:rPr lang="en-US"/>
               <a:pPr/>
-              <a:t>4/18/2020</a:t>
+              <a:t>4/19/2020</a:t>
             </a:fld>
             <a:endParaRPr/>
           </a:p>
@@ -4368,7 +4368,7 @@
             <a:fld id="{8E36636D-D922-432D-A958-524484B5923D}" type="datetimeFigureOut">
               <a:rPr lang="en-US"/>
               <a:pPr/>
-              <a:t>4/18/2020</a:t>
+              <a:t>4/19/2020</a:t>
             </a:fld>
             <a:endParaRPr/>
           </a:p>
@@ -5267,7 +5267,7 @@
         <p:spPr>
           <a:xfrm>
             <a:off x="8913812" y="5701268"/>
-            <a:ext cx="2367123" cy="369332"/>
+            <a:ext cx="2454518" cy="369332"/>
           </a:xfrm>
           <a:prstGeom prst="rect">
             <a:avLst/>
@@ -5280,9 +5280,18 @@
           <a:lstStyle/>
           <a:p>
             <a:r>
+              <a:rPr lang="en-US" dirty="0" err="1"/>
+              <a:t>Lavanya</a:t>
+            </a:r>
+            <a:r>
               <a:rPr lang="en-US" dirty="0"/>
-              <a:t>Vijay Kumar Karanam</a:t>
-            </a:r>
+              <a:t> Reddy </a:t>
+            </a:r>
+            <a:r>
+              <a:rPr lang="en-US" dirty="0" err="1"/>
+              <a:t>Uppula</a:t>
+            </a:r>
+            <a:endParaRPr lang="en-US" dirty="0"/>
           </a:p>
         </p:txBody>
       </p:sp>
@@ -5413,7 +5422,7 @@
         <p:spPr>
           <a:xfrm>
             <a:off x="8837612" y="5562600"/>
-            <a:ext cx="2367123" cy="369332"/>
+            <a:ext cx="2454518" cy="369332"/>
           </a:xfrm>
           <a:prstGeom prst="rect">
             <a:avLst/>
@@ -5426,9 +5435,18 @@
           <a:lstStyle/>
           <a:p>
             <a:r>
+              <a:rPr lang="en-US" dirty="0" err="1"/>
+              <a:t>Lavanya</a:t>
+            </a:r>
+            <a:r>
               <a:rPr lang="en-US" dirty="0"/>
-              <a:t>Vijay Kumar Karanam</a:t>
-            </a:r>
+              <a:t> Reddy </a:t>
+            </a:r>
+            <a:r>
+              <a:rPr lang="en-US" dirty="0" err="1"/>
+              <a:t>Uppula</a:t>
+            </a:r>
+            <a:endParaRPr lang="en-US" dirty="0"/>
           </a:p>
         </p:txBody>
       </p:sp>
@@ -6830,132 +6848,6 @@
 </file>
 
 <file path=customXml/item2.xml><?xml version="1.0" encoding="utf-8"?>
-<p:properties xmlns:p="http://schemas.microsoft.com/office/2006/metadata/properties" xmlns:xsi="http://www.w3.org/2001/XMLSchema-instance" xmlns:pc="http://schemas.microsoft.com/office/infopath/2007/PartnerControls">
-  <documentManagement>
-    <DirectSourceMarket xmlns="4873beb7-5857-4685-be1f-d57550cc96cc" xsi:nil="true"/>
-    <ApprovalStatus xmlns="4873beb7-5857-4685-be1f-d57550cc96cc">InProgress</ApprovalStatus>
-    <MarketSpecific xmlns="4873beb7-5857-4685-be1f-d57550cc96cc">false</MarketSpecific>
-    <LocComments xmlns="4873beb7-5857-4685-be1f-d57550cc96cc" xsi:nil="true"/>
-    <ThumbnailAssetId xmlns="4873beb7-5857-4685-be1f-d57550cc96cc" xsi:nil="true"/>
-    <PrimaryImageGen xmlns="4873beb7-5857-4685-be1f-d57550cc96cc">false</PrimaryImageGen>
-    <LegacyData xmlns="4873beb7-5857-4685-be1f-d57550cc96cc" xsi:nil="true"/>
-    <LocRecommendedHandoff xmlns="4873beb7-5857-4685-be1f-d57550cc96cc" xsi:nil="true"/>
-    <BusinessGroup xmlns="4873beb7-5857-4685-be1f-d57550cc96cc" xsi:nil="true"/>
-    <BlockPublish xmlns="4873beb7-5857-4685-be1f-d57550cc96cc">false</BlockPublish>
-    <TPFriendlyName xmlns="4873beb7-5857-4685-be1f-d57550cc96cc" xsi:nil="true"/>
-    <NumericId xmlns="4873beb7-5857-4685-be1f-d57550cc96cc" xsi:nil="true"/>
-    <APEditor xmlns="4873beb7-5857-4685-be1f-d57550cc96cc">
-      <UserInfo>
-        <DisplayName/>
-        <AccountId xsi:nil="true"/>
-        <AccountType/>
-      </UserInfo>
-    </APEditor>
-    <SourceTitle xmlns="4873beb7-5857-4685-be1f-d57550cc96cc" xsi:nil="true"/>
-    <OpenTemplate xmlns="4873beb7-5857-4685-be1f-d57550cc96cc">true</OpenTemplate>
-    <UALocComments xmlns="4873beb7-5857-4685-be1f-d57550cc96cc" xsi:nil="true"/>
-    <ParentAssetId xmlns="4873beb7-5857-4685-be1f-d57550cc96cc" xsi:nil="true"/>
-    <IntlLangReviewDate xmlns="4873beb7-5857-4685-be1f-d57550cc96cc" xsi:nil="true"/>
-    <FeatureTagsTaxHTField0 xmlns="4873beb7-5857-4685-be1f-d57550cc96cc">
-      <Terms xmlns="http://schemas.microsoft.com/office/infopath/2007/PartnerControls"/>
-    </FeatureTagsTaxHTField0>
-    <PublishStatusLookup xmlns="4873beb7-5857-4685-be1f-d57550cc96cc">
-      <Value>1360476</Value>
-    </PublishStatusLookup>
-    <Providers xmlns="4873beb7-5857-4685-be1f-d57550cc96cc" xsi:nil="true"/>
-    <MachineTranslated xmlns="4873beb7-5857-4685-be1f-d57550cc96cc">false</MachineTranslated>
-    <OriginalSourceMarket xmlns="4873beb7-5857-4685-be1f-d57550cc96cc" xsi:nil="true"/>
-    <APDescription xmlns="4873beb7-5857-4685-be1f-d57550cc96cc" xsi:nil="true"/>
-    <ClipArtFilename xmlns="4873beb7-5857-4685-be1f-d57550cc96cc" xsi:nil="true"/>
-    <ContentItem xmlns="4873beb7-5857-4685-be1f-d57550cc96cc" xsi:nil="true"/>
-    <TPInstallLocation xmlns="4873beb7-5857-4685-be1f-d57550cc96cc" xsi:nil="true"/>
-    <PublishTargets xmlns="4873beb7-5857-4685-be1f-d57550cc96cc">OfficeOnlineVNext</PublishTargets>
-    <TimesCloned xmlns="4873beb7-5857-4685-be1f-d57550cc96cc" xsi:nil="true"/>
-    <AssetStart xmlns="4873beb7-5857-4685-be1f-d57550cc96cc">2011-12-12T13:37:00+00:00</AssetStart>
-    <Provider xmlns="4873beb7-5857-4685-be1f-d57550cc96cc" xsi:nil="true"/>
-    <AcquiredFrom xmlns="4873beb7-5857-4685-be1f-d57550cc96cc">Internal MS</AcquiredFrom>
-    <FriendlyTitle xmlns="4873beb7-5857-4685-be1f-d57550cc96cc" xsi:nil="true"/>
-    <LastHandOff xmlns="4873beb7-5857-4685-be1f-d57550cc96cc" xsi:nil="true"/>
-    <TPClientViewer xmlns="4873beb7-5857-4685-be1f-d57550cc96cc" xsi:nil="true"/>
-    <UACurrentWords xmlns="4873beb7-5857-4685-be1f-d57550cc96cc" xsi:nil="true"/>
-    <ArtSampleDocs xmlns="4873beb7-5857-4685-be1f-d57550cc96cc" xsi:nil="true"/>
-    <UALocRecommendation xmlns="4873beb7-5857-4685-be1f-d57550cc96cc">Localize</UALocRecommendation>
-    <Manager xmlns="4873beb7-5857-4685-be1f-d57550cc96cc" xsi:nil="true"/>
-    <ShowIn xmlns="4873beb7-5857-4685-be1f-d57550cc96cc">Show everywhere</ShowIn>
-    <UANotes xmlns="4873beb7-5857-4685-be1f-d57550cc96cc" xsi:nil="true"/>
-    <TemplateStatus xmlns="4873beb7-5857-4685-be1f-d57550cc96cc">Complete</TemplateStatus>
-    <InternalTagsTaxHTField0 xmlns="4873beb7-5857-4685-be1f-d57550cc96cc">
-      <Terms xmlns="http://schemas.microsoft.com/office/infopath/2007/PartnerControls"/>
-    </InternalTagsTaxHTField0>
-    <CSXHash xmlns="4873beb7-5857-4685-be1f-d57550cc96cc" xsi:nil="true"/>
-    <Downloads xmlns="4873beb7-5857-4685-be1f-d57550cc96cc">0</Downloads>
-    <VoteCount xmlns="4873beb7-5857-4685-be1f-d57550cc96cc" xsi:nil="true"/>
-    <OOCacheId xmlns="4873beb7-5857-4685-be1f-d57550cc96cc" xsi:nil="true"/>
-    <IsDeleted xmlns="4873beb7-5857-4685-be1f-d57550cc96cc">false</IsDeleted>
-    <AssetExpire xmlns="4873beb7-5857-4685-be1f-d57550cc96cc">2035-01-01T08:00:00+00:00</AssetExpire>
-    <DSATActionTaken xmlns="4873beb7-5857-4685-be1f-d57550cc96cc" xsi:nil="true"/>
-    <CSXSubmissionMarket xmlns="4873beb7-5857-4685-be1f-d57550cc96cc" xsi:nil="true"/>
-    <TPExecutable xmlns="4873beb7-5857-4685-be1f-d57550cc96cc" xsi:nil="true"/>
-    <SubmitterId xmlns="4873beb7-5857-4685-be1f-d57550cc96cc" xsi:nil="true"/>
-    <EditorialTags xmlns="4873beb7-5857-4685-be1f-d57550cc96cc" xsi:nil="true"/>
-    <ApprovalLog xmlns="4873beb7-5857-4685-be1f-d57550cc96cc" xsi:nil="true"/>
-    <AssetType xmlns="4873beb7-5857-4685-be1f-d57550cc96cc">TP</AssetType>
-    <BugNumber xmlns="4873beb7-5857-4685-be1f-d57550cc96cc" xsi:nil="true"/>
-    <CSXSubmissionDate xmlns="4873beb7-5857-4685-be1f-d57550cc96cc" xsi:nil="true"/>
-    <CSXUpdate xmlns="4873beb7-5857-4685-be1f-d57550cc96cc">false</CSXUpdate>
-    <Milestone xmlns="4873beb7-5857-4685-be1f-d57550cc96cc" xsi:nil="true"/>
-    <RecommendationsModifier xmlns="4873beb7-5857-4685-be1f-d57550cc96cc" xsi:nil="true"/>
-    <OriginAsset xmlns="4873beb7-5857-4685-be1f-d57550cc96cc" xsi:nil="true"/>
-    <TPComponent xmlns="4873beb7-5857-4685-be1f-d57550cc96cc" xsi:nil="true"/>
-    <AssetId xmlns="4873beb7-5857-4685-be1f-d57550cc96cc">TP102801058</AssetId>
-    <IntlLocPriority xmlns="4873beb7-5857-4685-be1f-d57550cc96cc" xsi:nil="true"/>
-    <PolicheckWords xmlns="4873beb7-5857-4685-be1f-d57550cc96cc" xsi:nil="true"/>
-    <TPLaunchHelpLink xmlns="4873beb7-5857-4685-be1f-d57550cc96cc" xsi:nil="true"/>
-    <TPApplication xmlns="4873beb7-5857-4685-be1f-d57550cc96cc" xsi:nil="true"/>
-    <CrawlForDependencies xmlns="4873beb7-5857-4685-be1f-d57550cc96cc">false</CrawlForDependencies>
-    <HandoffToMSDN xmlns="4873beb7-5857-4685-be1f-d57550cc96cc" xsi:nil="true"/>
-    <PlannedPubDate xmlns="4873beb7-5857-4685-be1f-d57550cc96cc" xsi:nil="true"/>
-    <IntlLangReviewer xmlns="4873beb7-5857-4685-be1f-d57550cc96cc" xsi:nil="true"/>
-    <TrustLevel xmlns="4873beb7-5857-4685-be1f-d57550cc96cc">1 Microsoft Managed Content</TrustLevel>
-    <LocLastLocAttemptVersionLookup xmlns="4873beb7-5857-4685-be1f-d57550cc96cc">706496</LocLastLocAttemptVersionLookup>
-    <IsSearchable xmlns="4873beb7-5857-4685-be1f-d57550cc96cc">true</IsSearchable>
-    <TemplateTemplateType xmlns="4873beb7-5857-4685-be1f-d57550cc96cc">PowerPoint Presentation Template</TemplateTemplateType>
-    <CampaignTagsTaxHTField0 xmlns="4873beb7-5857-4685-be1f-d57550cc96cc">
-      <Terms xmlns="http://schemas.microsoft.com/office/infopath/2007/PartnerControls"/>
-    </CampaignTagsTaxHTField0>
-    <TPNamespace xmlns="4873beb7-5857-4685-be1f-d57550cc96cc" xsi:nil="true"/>
-    <TaxCatchAll xmlns="4873beb7-5857-4685-be1f-d57550cc96cc"/>
-    <Markets xmlns="4873beb7-5857-4685-be1f-d57550cc96cc"/>
-    <UAProjectedTotalWords xmlns="4873beb7-5857-4685-be1f-d57550cc96cc" xsi:nil="true"/>
-    <IntlLangReview xmlns="4873beb7-5857-4685-be1f-d57550cc96cc">false</IntlLangReview>
-    <OutputCachingOn xmlns="4873beb7-5857-4685-be1f-d57550cc96cc">false</OutputCachingOn>
-    <AverageRating xmlns="4873beb7-5857-4685-be1f-d57550cc96cc" xsi:nil="true"/>
-    <APAuthor xmlns="4873beb7-5857-4685-be1f-d57550cc96cc">
-      <UserInfo>
-        <DisplayName>REDMOND\v-soujap</DisplayName>
-        <AccountId>1954</AccountId>
-        <AccountType/>
-      </UserInfo>
-    </APAuthor>
-    <LocManualTestRequired xmlns="4873beb7-5857-4685-be1f-d57550cc96cc">false</LocManualTestRequired>
-    <TPCommandLine xmlns="4873beb7-5857-4685-be1f-d57550cc96cc" xsi:nil="true"/>
-    <TPAppVersion xmlns="4873beb7-5857-4685-be1f-d57550cc96cc" xsi:nil="true"/>
-    <EditorialStatus xmlns="4873beb7-5857-4685-be1f-d57550cc96cc">Complete</EditorialStatus>
-    <LastModifiedDateTime xmlns="4873beb7-5857-4685-be1f-d57550cc96cc" xsi:nil="true"/>
-    <ScenarioTagsTaxHTField0 xmlns="4873beb7-5857-4685-be1f-d57550cc96cc">
-      <Terms xmlns="http://schemas.microsoft.com/office/infopath/2007/PartnerControls"/>
-    </ScenarioTagsTaxHTField0>
-    <OriginalRelease xmlns="4873beb7-5857-4685-be1f-d57550cc96cc">14</OriginalRelease>
-    <TPLaunchHelpLinkType xmlns="4873beb7-5857-4685-be1f-d57550cc96cc">Template</TPLaunchHelpLinkType>
-    <LocalizationTagsTaxHTField0 xmlns="4873beb7-5857-4685-be1f-d57550cc96cc">
-      <Terms xmlns="http://schemas.microsoft.com/office/infopath/2007/PartnerControls"/>
-    </LocalizationTagsTaxHTField0>
-    <LocMarketGroupTiers2 xmlns="4873beb7-5857-4685-be1f-d57550cc96cc" xsi:nil="true"/>
-  </documentManagement>
-</p:properties>
-</file>
-
-<file path=customXml/item3.xml><?xml version="1.0" encoding="utf-8"?>
 <ct:contentTypeSchema xmlns:ct="http://schemas.microsoft.com/office/2006/metadata/contentType" xmlns:ma="http://schemas.microsoft.com/office/2006/metadata/properties/metaAttributes" ct:_="" ma:_="" ma:contentTypeName="TemplateFile" ma:contentTypeID="0x0101006EDDDB5EE6D98C44930B742096920B300400F5B6D36B3EF94B4E9A635CDF2A18F5B8" ma:contentTypeVersion="72" ma:contentTypeDescription="Create a new document." ma:contentTypeScope="" ma:versionID="a23e56308344d904b51738559c3d67c9">
   <xsd:schema xmlns:xsd="http://www.w3.org/2001/XMLSchema" xmlns:xs="http://www.w3.org/2001/XMLSchema" xmlns:p="http://schemas.microsoft.com/office/2006/metadata/properties" xmlns:ns2="4873beb7-5857-4685-be1f-d57550cc96cc" targetNamespace="http://schemas.microsoft.com/office/2006/metadata/properties" ma:root="true" ma:fieldsID="cd0908cc4600e77bf5da051303e00c8d" ns2:_="">
     <xsd:import namespace="4873beb7-5857-4685-be1f-d57550cc96cc"/>
@@ -7995,6 +7887,132 @@
 </ct:contentTypeSchema>
 </file>
 
+<file path=customXml/item3.xml><?xml version="1.0" encoding="utf-8"?>
+<p:properties xmlns:p="http://schemas.microsoft.com/office/2006/metadata/properties" xmlns:xsi="http://www.w3.org/2001/XMLSchema-instance" xmlns:pc="http://schemas.microsoft.com/office/infopath/2007/PartnerControls">
+  <documentManagement>
+    <DirectSourceMarket xmlns="4873beb7-5857-4685-be1f-d57550cc96cc" xsi:nil="true"/>
+    <ApprovalStatus xmlns="4873beb7-5857-4685-be1f-d57550cc96cc">InProgress</ApprovalStatus>
+    <MarketSpecific xmlns="4873beb7-5857-4685-be1f-d57550cc96cc">false</MarketSpecific>
+    <LocComments xmlns="4873beb7-5857-4685-be1f-d57550cc96cc" xsi:nil="true"/>
+    <ThumbnailAssetId xmlns="4873beb7-5857-4685-be1f-d57550cc96cc" xsi:nil="true"/>
+    <PrimaryImageGen xmlns="4873beb7-5857-4685-be1f-d57550cc96cc">false</PrimaryImageGen>
+    <LegacyData xmlns="4873beb7-5857-4685-be1f-d57550cc96cc" xsi:nil="true"/>
+    <LocRecommendedHandoff xmlns="4873beb7-5857-4685-be1f-d57550cc96cc" xsi:nil="true"/>
+    <BusinessGroup xmlns="4873beb7-5857-4685-be1f-d57550cc96cc" xsi:nil="true"/>
+    <BlockPublish xmlns="4873beb7-5857-4685-be1f-d57550cc96cc">false</BlockPublish>
+    <TPFriendlyName xmlns="4873beb7-5857-4685-be1f-d57550cc96cc" xsi:nil="true"/>
+    <NumericId xmlns="4873beb7-5857-4685-be1f-d57550cc96cc" xsi:nil="true"/>
+    <APEditor xmlns="4873beb7-5857-4685-be1f-d57550cc96cc">
+      <UserInfo>
+        <DisplayName/>
+        <AccountId xsi:nil="true"/>
+        <AccountType/>
+      </UserInfo>
+    </APEditor>
+    <SourceTitle xmlns="4873beb7-5857-4685-be1f-d57550cc96cc" xsi:nil="true"/>
+    <OpenTemplate xmlns="4873beb7-5857-4685-be1f-d57550cc96cc">true</OpenTemplate>
+    <UALocComments xmlns="4873beb7-5857-4685-be1f-d57550cc96cc" xsi:nil="true"/>
+    <ParentAssetId xmlns="4873beb7-5857-4685-be1f-d57550cc96cc" xsi:nil="true"/>
+    <IntlLangReviewDate xmlns="4873beb7-5857-4685-be1f-d57550cc96cc" xsi:nil="true"/>
+    <FeatureTagsTaxHTField0 xmlns="4873beb7-5857-4685-be1f-d57550cc96cc">
+      <Terms xmlns="http://schemas.microsoft.com/office/infopath/2007/PartnerControls"/>
+    </FeatureTagsTaxHTField0>
+    <PublishStatusLookup xmlns="4873beb7-5857-4685-be1f-d57550cc96cc">
+      <Value>1360476</Value>
+    </PublishStatusLookup>
+    <Providers xmlns="4873beb7-5857-4685-be1f-d57550cc96cc" xsi:nil="true"/>
+    <MachineTranslated xmlns="4873beb7-5857-4685-be1f-d57550cc96cc">false</MachineTranslated>
+    <OriginalSourceMarket xmlns="4873beb7-5857-4685-be1f-d57550cc96cc" xsi:nil="true"/>
+    <APDescription xmlns="4873beb7-5857-4685-be1f-d57550cc96cc" xsi:nil="true"/>
+    <ClipArtFilename xmlns="4873beb7-5857-4685-be1f-d57550cc96cc" xsi:nil="true"/>
+    <ContentItem xmlns="4873beb7-5857-4685-be1f-d57550cc96cc" xsi:nil="true"/>
+    <TPInstallLocation xmlns="4873beb7-5857-4685-be1f-d57550cc96cc" xsi:nil="true"/>
+    <PublishTargets xmlns="4873beb7-5857-4685-be1f-d57550cc96cc">OfficeOnlineVNext</PublishTargets>
+    <TimesCloned xmlns="4873beb7-5857-4685-be1f-d57550cc96cc" xsi:nil="true"/>
+    <AssetStart xmlns="4873beb7-5857-4685-be1f-d57550cc96cc">2011-12-12T13:37:00+00:00</AssetStart>
+    <Provider xmlns="4873beb7-5857-4685-be1f-d57550cc96cc" xsi:nil="true"/>
+    <AcquiredFrom xmlns="4873beb7-5857-4685-be1f-d57550cc96cc">Internal MS</AcquiredFrom>
+    <FriendlyTitle xmlns="4873beb7-5857-4685-be1f-d57550cc96cc" xsi:nil="true"/>
+    <LastHandOff xmlns="4873beb7-5857-4685-be1f-d57550cc96cc" xsi:nil="true"/>
+    <TPClientViewer xmlns="4873beb7-5857-4685-be1f-d57550cc96cc" xsi:nil="true"/>
+    <UACurrentWords xmlns="4873beb7-5857-4685-be1f-d57550cc96cc" xsi:nil="true"/>
+    <ArtSampleDocs xmlns="4873beb7-5857-4685-be1f-d57550cc96cc" xsi:nil="true"/>
+    <UALocRecommendation xmlns="4873beb7-5857-4685-be1f-d57550cc96cc">Localize</UALocRecommendation>
+    <Manager xmlns="4873beb7-5857-4685-be1f-d57550cc96cc" xsi:nil="true"/>
+    <ShowIn xmlns="4873beb7-5857-4685-be1f-d57550cc96cc">Show everywhere</ShowIn>
+    <UANotes xmlns="4873beb7-5857-4685-be1f-d57550cc96cc" xsi:nil="true"/>
+    <TemplateStatus xmlns="4873beb7-5857-4685-be1f-d57550cc96cc">Complete</TemplateStatus>
+    <InternalTagsTaxHTField0 xmlns="4873beb7-5857-4685-be1f-d57550cc96cc">
+      <Terms xmlns="http://schemas.microsoft.com/office/infopath/2007/PartnerControls"/>
+    </InternalTagsTaxHTField0>
+    <CSXHash xmlns="4873beb7-5857-4685-be1f-d57550cc96cc" xsi:nil="true"/>
+    <Downloads xmlns="4873beb7-5857-4685-be1f-d57550cc96cc">0</Downloads>
+    <VoteCount xmlns="4873beb7-5857-4685-be1f-d57550cc96cc" xsi:nil="true"/>
+    <OOCacheId xmlns="4873beb7-5857-4685-be1f-d57550cc96cc" xsi:nil="true"/>
+    <IsDeleted xmlns="4873beb7-5857-4685-be1f-d57550cc96cc">false</IsDeleted>
+    <AssetExpire xmlns="4873beb7-5857-4685-be1f-d57550cc96cc">2035-01-01T08:00:00+00:00</AssetExpire>
+    <DSATActionTaken xmlns="4873beb7-5857-4685-be1f-d57550cc96cc" xsi:nil="true"/>
+    <CSXSubmissionMarket xmlns="4873beb7-5857-4685-be1f-d57550cc96cc" xsi:nil="true"/>
+    <TPExecutable xmlns="4873beb7-5857-4685-be1f-d57550cc96cc" xsi:nil="true"/>
+    <SubmitterId xmlns="4873beb7-5857-4685-be1f-d57550cc96cc" xsi:nil="true"/>
+    <EditorialTags xmlns="4873beb7-5857-4685-be1f-d57550cc96cc" xsi:nil="true"/>
+    <ApprovalLog xmlns="4873beb7-5857-4685-be1f-d57550cc96cc" xsi:nil="true"/>
+    <AssetType xmlns="4873beb7-5857-4685-be1f-d57550cc96cc">TP</AssetType>
+    <BugNumber xmlns="4873beb7-5857-4685-be1f-d57550cc96cc" xsi:nil="true"/>
+    <CSXSubmissionDate xmlns="4873beb7-5857-4685-be1f-d57550cc96cc" xsi:nil="true"/>
+    <CSXUpdate xmlns="4873beb7-5857-4685-be1f-d57550cc96cc">false</CSXUpdate>
+    <Milestone xmlns="4873beb7-5857-4685-be1f-d57550cc96cc" xsi:nil="true"/>
+    <RecommendationsModifier xmlns="4873beb7-5857-4685-be1f-d57550cc96cc" xsi:nil="true"/>
+    <OriginAsset xmlns="4873beb7-5857-4685-be1f-d57550cc96cc" xsi:nil="true"/>
+    <TPComponent xmlns="4873beb7-5857-4685-be1f-d57550cc96cc" xsi:nil="true"/>
+    <AssetId xmlns="4873beb7-5857-4685-be1f-d57550cc96cc">TP102801058</AssetId>
+    <IntlLocPriority xmlns="4873beb7-5857-4685-be1f-d57550cc96cc" xsi:nil="true"/>
+    <PolicheckWords xmlns="4873beb7-5857-4685-be1f-d57550cc96cc" xsi:nil="true"/>
+    <TPLaunchHelpLink xmlns="4873beb7-5857-4685-be1f-d57550cc96cc" xsi:nil="true"/>
+    <TPApplication xmlns="4873beb7-5857-4685-be1f-d57550cc96cc" xsi:nil="true"/>
+    <CrawlForDependencies xmlns="4873beb7-5857-4685-be1f-d57550cc96cc">false</CrawlForDependencies>
+    <HandoffToMSDN xmlns="4873beb7-5857-4685-be1f-d57550cc96cc" xsi:nil="true"/>
+    <PlannedPubDate xmlns="4873beb7-5857-4685-be1f-d57550cc96cc" xsi:nil="true"/>
+    <IntlLangReviewer xmlns="4873beb7-5857-4685-be1f-d57550cc96cc" xsi:nil="true"/>
+    <TrustLevel xmlns="4873beb7-5857-4685-be1f-d57550cc96cc">1 Microsoft Managed Content</TrustLevel>
+    <LocLastLocAttemptVersionLookup xmlns="4873beb7-5857-4685-be1f-d57550cc96cc">706496</LocLastLocAttemptVersionLookup>
+    <IsSearchable xmlns="4873beb7-5857-4685-be1f-d57550cc96cc">true</IsSearchable>
+    <TemplateTemplateType xmlns="4873beb7-5857-4685-be1f-d57550cc96cc">PowerPoint Presentation Template</TemplateTemplateType>
+    <CampaignTagsTaxHTField0 xmlns="4873beb7-5857-4685-be1f-d57550cc96cc">
+      <Terms xmlns="http://schemas.microsoft.com/office/infopath/2007/PartnerControls"/>
+    </CampaignTagsTaxHTField0>
+    <TPNamespace xmlns="4873beb7-5857-4685-be1f-d57550cc96cc" xsi:nil="true"/>
+    <TaxCatchAll xmlns="4873beb7-5857-4685-be1f-d57550cc96cc"/>
+    <Markets xmlns="4873beb7-5857-4685-be1f-d57550cc96cc"/>
+    <UAProjectedTotalWords xmlns="4873beb7-5857-4685-be1f-d57550cc96cc" xsi:nil="true"/>
+    <IntlLangReview xmlns="4873beb7-5857-4685-be1f-d57550cc96cc">false</IntlLangReview>
+    <OutputCachingOn xmlns="4873beb7-5857-4685-be1f-d57550cc96cc">false</OutputCachingOn>
+    <AverageRating xmlns="4873beb7-5857-4685-be1f-d57550cc96cc" xsi:nil="true"/>
+    <APAuthor xmlns="4873beb7-5857-4685-be1f-d57550cc96cc">
+      <UserInfo>
+        <DisplayName>REDMOND\v-soujap</DisplayName>
+        <AccountId>1954</AccountId>
+        <AccountType/>
+      </UserInfo>
+    </APAuthor>
+    <LocManualTestRequired xmlns="4873beb7-5857-4685-be1f-d57550cc96cc">false</LocManualTestRequired>
+    <TPCommandLine xmlns="4873beb7-5857-4685-be1f-d57550cc96cc" xsi:nil="true"/>
+    <TPAppVersion xmlns="4873beb7-5857-4685-be1f-d57550cc96cc" xsi:nil="true"/>
+    <EditorialStatus xmlns="4873beb7-5857-4685-be1f-d57550cc96cc">Complete</EditorialStatus>
+    <LastModifiedDateTime xmlns="4873beb7-5857-4685-be1f-d57550cc96cc" xsi:nil="true"/>
+    <ScenarioTagsTaxHTField0 xmlns="4873beb7-5857-4685-be1f-d57550cc96cc">
+      <Terms xmlns="http://schemas.microsoft.com/office/infopath/2007/PartnerControls"/>
+    </ScenarioTagsTaxHTField0>
+    <OriginalRelease xmlns="4873beb7-5857-4685-be1f-d57550cc96cc">14</OriginalRelease>
+    <TPLaunchHelpLinkType xmlns="4873beb7-5857-4685-be1f-d57550cc96cc">Template</TPLaunchHelpLinkType>
+    <LocalizationTagsTaxHTField0 xmlns="4873beb7-5857-4685-be1f-d57550cc96cc">
+      <Terms xmlns="http://schemas.microsoft.com/office/infopath/2007/PartnerControls"/>
+    </LocalizationTagsTaxHTField0>
+    <LocMarketGroupTiers2 xmlns="4873beb7-5857-4685-be1f-d57550cc96cc" xsi:nil="true"/>
+  </documentManagement>
+</p:properties>
+</file>
+
 <file path=customXml/itemProps1.xml><?xml version="1.0" encoding="utf-8"?>
 <ds:datastoreItem xmlns:ds="http://schemas.openxmlformats.org/officeDocument/2006/customXml" ds:itemID="{8D003AC8-209A-4321-A17C-1B7A20643390}">
   <ds:schemaRefs>
@@ -8004,22 +8022,6 @@
 </file>
 
 <file path=customXml/itemProps2.xml><?xml version="1.0" encoding="utf-8"?>
-<ds:datastoreItem xmlns:ds="http://schemas.openxmlformats.org/officeDocument/2006/customXml" ds:itemID="{4ED80E12-3BE9-4746-820E-FFB249F467F2}">
-  <ds:schemaRefs>
-    <ds:schemaRef ds:uri="http://schemas.microsoft.com/office/2006/documentManagement/types"/>
-    <ds:schemaRef ds:uri="http://purl.org/dc/elements/1.1/"/>
-    <ds:schemaRef ds:uri="http://schemas.microsoft.com/office/2006/metadata/properties"/>
-    <ds:schemaRef ds:uri="4873beb7-5857-4685-be1f-d57550cc96cc"/>
-    <ds:schemaRef ds:uri="http://schemas.openxmlformats.org/package/2006/metadata/core-properties"/>
-    <ds:schemaRef ds:uri="http://purl.org/dc/terms/"/>
-    <ds:schemaRef ds:uri="http://schemas.microsoft.com/office/infopath/2007/PartnerControls"/>
-    <ds:schemaRef ds:uri="http://www.w3.org/XML/1998/namespace"/>
-    <ds:schemaRef ds:uri="http://purl.org/dc/dcmitype/"/>
-  </ds:schemaRefs>
-</ds:datastoreItem>
-</file>
-
-<file path=customXml/itemProps3.xml><?xml version="1.0" encoding="utf-8"?>
 <ds:datastoreItem xmlns:ds="http://schemas.openxmlformats.org/officeDocument/2006/customXml" ds:itemID="{83ED4759-CFDD-43F0-817C-11D9197192BA}">
   <ds:schemaRefs>
     <ds:schemaRef ds:uri="http://schemas.microsoft.com/office/2006/metadata/contentType"/>
@@ -8035,4 +8037,20 @@
     <ds:schemaRef ds:uri="http://schemas.microsoft.com/internal/obd"/>
   </ds:schemaRefs>
 </ds:datastoreItem>
+</file>
+
+<file path=customXml/itemProps3.xml><?xml version="1.0" encoding="utf-8"?>
+<ds:datastoreItem xmlns:ds="http://schemas.openxmlformats.org/officeDocument/2006/customXml" ds:itemID="{4ED80E12-3BE9-4746-820E-FFB249F467F2}">
+  <ds:schemaRefs>
+    <ds:schemaRef ds:uri="http://schemas.microsoft.com/office/2006/documentManagement/types"/>
+    <ds:schemaRef ds:uri="http://purl.org/dc/elements/1.1/"/>
+    <ds:schemaRef ds:uri="http://schemas.microsoft.com/office/2006/metadata/properties"/>
+    <ds:schemaRef ds:uri="4873beb7-5857-4685-be1f-d57550cc96cc"/>
+    <ds:schemaRef ds:uri="http://schemas.openxmlformats.org/package/2006/metadata/core-properties"/>
+    <ds:schemaRef ds:uri="http://purl.org/dc/terms/"/>
+    <ds:schemaRef ds:uri="http://schemas.microsoft.com/office/infopath/2007/PartnerControls"/>
+    <ds:schemaRef ds:uri="http://www.w3.org/XML/1998/namespace"/>
+    <ds:schemaRef ds:uri="http://purl.org/dc/dcmitype/"/>
+  </ds:schemaRefs>
+</ds:datastoreItem>
 </file>
--- a/Google BigQuery.pptx
+++ b/Google BigQuery.pptx
@@ -4897,7 +4897,11 @@
           <a:p>
             <a:r>
               <a:rPr lang="en-US" dirty="0" smtClean="0"/>
-              <a:t>Thank you !</a:t>
+              <a:t> Thank </a:t>
+            </a:r>
+            <a:r>
+              <a:rPr lang="en-US" dirty="0" smtClean="0"/>
+              <a:t>you !</a:t>
             </a:r>
             <a:endParaRPr lang="en-US" dirty="0"/>
           </a:p>
@@ -5600,8 +5604,8 @@
         </p:nvSpPr>
         <p:spPr>
           <a:xfrm>
-            <a:off x="9142412" y="6070600"/>
-            <a:ext cx="2367123" cy="369332"/>
+            <a:off x="8990012" y="6070600"/>
+            <a:ext cx="2825710" cy="369332"/>
           </a:xfrm>
           <a:prstGeom prst="rect">
             <a:avLst/>
@@ -5614,9 +5618,18 @@
           <a:lstStyle/>
           <a:p>
             <a:r>
+              <a:rPr lang="en-US" dirty="0" err="1"/>
+              <a:t>Prajakt</a:t>
+            </a:r>
+            <a:r>
               <a:rPr lang="en-US" dirty="0"/>
-              <a:t>Vijay Kumar Karanam</a:t>
-            </a:r>
+              <a:t> Uttamrao </a:t>
+            </a:r>
+            <a:r>
+              <a:rPr lang="en-US" dirty="0" err="1"/>
+              <a:t>Khawase</a:t>
+            </a:r>
+            <a:endParaRPr lang="en-US" dirty="0"/>
           </a:p>
         </p:txBody>
       </p:sp>
@@ -5766,8 +5779,8 @@
         </p:nvSpPr>
         <p:spPr>
           <a:xfrm>
-            <a:off x="8990012" y="5878342"/>
-            <a:ext cx="2367123" cy="369332"/>
+            <a:off x="8380412" y="5885934"/>
+            <a:ext cx="3462743" cy="369332"/>
           </a:xfrm>
           <a:prstGeom prst="rect">
             <a:avLst/>
@@ -5780,9 +5793,14 @@
           <a:lstStyle/>
           <a:p>
             <a:r>
+              <a:rPr lang="en-US" dirty="0" err="1"/>
+              <a:t>Harsha</a:t>
+            </a:r>
+            <a:r>
               <a:rPr lang="en-US" dirty="0"/>
-              <a:t>Vijay Kumar Karanam</a:t>
-            </a:r>
+              <a:t> Vardhan Reddy Nallavolu</a:t>
+            </a:r>
+            <a:endParaRPr lang="en-US" dirty="0"/>
           </a:p>
         </p:txBody>
       </p:sp>
@@ -5921,8 +5939,8 @@
         </p:nvSpPr>
         <p:spPr>
           <a:xfrm>
-            <a:off x="9142412" y="5941479"/>
-            <a:ext cx="2367123" cy="369332"/>
+            <a:off x="8380412" y="5930594"/>
+            <a:ext cx="3462743" cy="369332"/>
           </a:xfrm>
           <a:prstGeom prst="rect">
             <a:avLst/>
@@ -5935,9 +5953,14 @@
           <a:lstStyle/>
           <a:p>
             <a:r>
+              <a:rPr lang="en-US" dirty="0" err="1"/>
+              <a:t>Harsha</a:t>
+            </a:r>
+            <a:r>
               <a:rPr lang="en-US" dirty="0"/>
-              <a:t>Vijay Kumar Karanam</a:t>
-            </a:r>
+              <a:t> Vardhan Reddy Nallavolu</a:t>
+            </a:r>
+            <a:endParaRPr lang="en-US" dirty="0"/>
           </a:p>
         </p:txBody>
       </p:sp>
@@ -6848,6 +6871,132 @@
 </file>
 
 <file path=customXml/item2.xml><?xml version="1.0" encoding="utf-8"?>
+<p:properties xmlns:p="http://schemas.microsoft.com/office/2006/metadata/properties" xmlns:xsi="http://www.w3.org/2001/XMLSchema-instance" xmlns:pc="http://schemas.microsoft.com/office/infopath/2007/PartnerControls">
+  <documentManagement>
+    <DirectSourceMarket xmlns="4873beb7-5857-4685-be1f-d57550cc96cc" xsi:nil="true"/>
+    <ApprovalStatus xmlns="4873beb7-5857-4685-be1f-d57550cc96cc">InProgress</ApprovalStatus>
+    <MarketSpecific xmlns="4873beb7-5857-4685-be1f-d57550cc96cc">false</MarketSpecific>
+    <LocComments xmlns="4873beb7-5857-4685-be1f-d57550cc96cc" xsi:nil="true"/>
+    <ThumbnailAssetId xmlns="4873beb7-5857-4685-be1f-d57550cc96cc" xsi:nil="true"/>
+    <PrimaryImageGen xmlns="4873beb7-5857-4685-be1f-d57550cc96cc">false</PrimaryImageGen>
+    <LegacyData xmlns="4873beb7-5857-4685-be1f-d57550cc96cc" xsi:nil="true"/>
+    <LocRecommendedHandoff xmlns="4873beb7-5857-4685-be1f-d57550cc96cc" xsi:nil="true"/>
+    <BusinessGroup xmlns="4873beb7-5857-4685-be1f-d57550cc96cc" xsi:nil="true"/>
+    <BlockPublish xmlns="4873beb7-5857-4685-be1f-d57550cc96cc">false</BlockPublish>
+    <TPFriendlyName xmlns="4873beb7-5857-4685-be1f-d57550cc96cc" xsi:nil="true"/>
+    <NumericId xmlns="4873beb7-5857-4685-be1f-d57550cc96cc" xsi:nil="true"/>
+    <APEditor xmlns="4873beb7-5857-4685-be1f-d57550cc96cc">
+      <UserInfo>
+        <DisplayName/>
+        <AccountId xsi:nil="true"/>
+        <AccountType/>
+      </UserInfo>
+    </APEditor>
+    <SourceTitle xmlns="4873beb7-5857-4685-be1f-d57550cc96cc" xsi:nil="true"/>
+    <OpenTemplate xmlns="4873beb7-5857-4685-be1f-d57550cc96cc">true</OpenTemplate>
+    <UALocComments xmlns="4873beb7-5857-4685-be1f-d57550cc96cc" xsi:nil="true"/>
+    <ParentAssetId xmlns="4873beb7-5857-4685-be1f-d57550cc96cc" xsi:nil="true"/>
+    <IntlLangReviewDate xmlns="4873beb7-5857-4685-be1f-d57550cc96cc" xsi:nil="true"/>
+    <FeatureTagsTaxHTField0 xmlns="4873beb7-5857-4685-be1f-d57550cc96cc">
+      <Terms xmlns="http://schemas.microsoft.com/office/infopath/2007/PartnerControls"/>
+    </FeatureTagsTaxHTField0>
+    <PublishStatusLookup xmlns="4873beb7-5857-4685-be1f-d57550cc96cc">
+      <Value>1360476</Value>
+    </PublishStatusLookup>
+    <Providers xmlns="4873beb7-5857-4685-be1f-d57550cc96cc" xsi:nil="true"/>
+    <MachineTranslated xmlns="4873beb7-5857-4685-be1f-d57550cc96cc">false</MachineTranslated>
+    <OriginalSourceMarket xmlns="4873beb7-5857-4685-be1f-d57550cc96cc" xsi:nil="true"/>
+    <APDescription xmlns="4873beb7-5857-4685-be1f-d57550cc96cc" xsi:nil="true"/>
+    <ClipArtFilename xmlns="4873beb7-5857-4685-be1f-d57550cc96cc" xsi:nil="true"/>
+    <ContentItem xmlns="4873beb7-5857-4685-be1f-d57550cc96cc" xsi:nil="true"/>
+    <TPInstallLocation xmlns="4873beb7-5857-4685-be1f-d57550cc96cc" xsi:nil="true"/>
+    <PublishTargets xmlns="4873beb7-5857-4685-be1f-d57550cc96cc">OfficeOnlineVNext</PublishTargets>
+    <TimesCloned xmlns="4873beb7-5857-4685-be1f-d57550cc96cc" xsi:nil="true"/>
+    <AssetStart xmlns="4873beb7-5857-4685-be1f-d57550cc96cc">2011-12-12T13:37:00+00:00</AssetStart>
+    <Provider xmlns="4873beb7-5857-4685-be1f-d57550cc96cc" xsi:nil="true"/>
+    <AcquiredFrom xmlns="4873beb7-5857-4685-be1f-d57550cc96cc">Internal MS</AcquiredFrom>
+    <FriendlyTitle xmlns="4873beb7-5857-4685-be1f-d57550cc96cc" xsi:nil="true"/>
+    <LastHandOff xmlns="4873beb7-5857-4685-be1f-d57550cc96cc" xsi:nil="true"/>
+    <TPClientViewer xmlns="4873beb7-5857-4685-be1f-d57550cc96cc" xsi:nil="true"/>
+    <UACurrentWords xmlns="4873beb7-5857-4685-be1f-d57550cc96cc" xsi:nil="true"/>
+    <ArtSampleDocs xmlns="4873beb7-5857-4685-be1f-d57550cc96cc" xsi:nil="true"/>
+    <UALocRecommendation xmlns="4873beb7-5857-4685-be1f-d57550cc96cc">Localize</UALocRecommendation>
+    <Manager xmlns="4873beb7-5857-4685-be1f-d57550cc96cc" xsi:nil="true"/>
+    <ShowIn xmlns="4873beb7-5857-4685-be1f-d57550cc96cc">Show everywhere</ShowIn>
+    <UANotes xmlns="4873beb7-5857-4685-be1f-d57550cc96cc" xsi:nil="true"/>
+    <TemplateStatus xmlns="4873beb7-5857-4685-be1f-d57550cc96cc">Complete</TemplateStatus>
+    <InternalTagsTaxHTField0 xmlns="4873beb7-5857-4685-be1f-d57550cc96cc">
+      <Terms xmlns="http://schemas.microsoft.com/office/infopath/2007/PartnerControls"/>
+    </InternalTagsTaxHTField0>
+    <CSXHash xmlns="4873beb7-5857-4685-be1f-d57550cc96cc" xsi:nil="true"/>
+    <Downloads xmlns="4873beb7-5857-4685-be1f-d57550cc96cc">0</Downloads>
+    <VoteCount xmlns="4873beb7-5857-4685-be1f-d57550cc96cc" xsi:nil="true"/>
+    <OOCacheId xmlns="4873beb7-5857-4685-be1f-d57550cc96cc" xsi:nil="true"/>
+    <IsDeleted xmlns="4873beb7-5857-4685-be1f-d57550cc96cc">false</IsDeleted>
+    <AssetExpire xmlns="4873beb7-5857-4685-be1f-d57550cc96cc">2035-01-01T08:00:00+00:00</AssetExpire>
+    <DSATActionTaken xmlns="4873beb7-5857-4685-be1f-d57550cc96cc" xsi:nil="true"/>
+    <CSXSubmissionMarket xmlns="4873beb7-5857-4685-be1f-d57550cc96cc" xsi:nil="true"/>
+    <TPExecutable xmlns="4873beb7-5857-4685-be1f-d57550cc96cc" xsi:nil="true"/>
+    <SubmitterId xmlns="4873beb7-5857-4685-be1f-d57550cc96cc" xsi:nil="true"/>
+    <EditorialTags xmlns="4873beb7-5857-4685-be1f-d57550cc96cc" xsi:nil="true"/>
+    <ApprovalLog xmlns="4873beb7-5857-4685-be1f-d57550cc96cc" xsi:nil="true"/>
+    <AssetType xmlns="4873beb7-5857-4685-be1f-d57550cc96cc">TP</AssetType>
+    <BugNumber xmlns="4873beb7-5857-4685-be1f-d57550cc96cc" xsi:nil="true"/>
+    <CSXSubmissionDate xmlns="4873beb7-5857-4685-be1f-d57550cc96cc" xsi:nil="true"/>
+    <CSXUpdate xmlns="4873beb7-5857-4685-be1f-d57550cc96cc">false</CSXUpdate>
+    <Milestone xmlns="4873beb7-5857-4685-be1f-d57550cc96cc" xsi:nil="true"/>
+    <RecommendationsModifier xmlns="4873beb7-5857-4685-be1f-d57550cc96cc" xsi:nil="true"/>
+    <OriginAsset xmlns="4873beb7-5857-4685-be1f-d57550cc96cc" xsi:nil="true"/>
+    <TPComponent xmlns="4873beb7-5857-4685-be1f-d57550cc96cc" xsi:nil="true"/>
+    <AssetId xmlns="4873beb7-5857-4685-be1f-d57550cc96cc">TP102801058</AssetId>
+    <IntlLocPriority xmlns="4873beb7-5857-4685-be1f-d57550cc96cc" xsi:nil="true"/>
+    <PolicheckWords xmlns="4873beb7-5857-4685-be1f-d57550cc96cc" xsi:nil="true"/>
+    <TPLaunchHelpLink xmlns="4873beb7-5857-4685-be1f-d57550cc96cc" xsi:nil="true"/>
+    <TPApplication xmlns="4873beb7-5857-4685-be1f-d57550cc96cc" xsi:nil="true"/>
+    <CrawlForDependencies xmlns="4873beb7-5857-4685-be1f-d57550cc96cc">false</CrawlForDependencies>
+    <HandoffToMSDN xmlns="4873beb7-5857-4685-be1f-d57550cc96cc" xsi:nil="true"/>
+    <PlannedPubDate xmlns="4873beb7-5857-4685-be1f-d57550cc96cc" xsi:nil="true"/>
+    <IntlLangReviewer xmlns="4873beb7-5857-4685-be1f-d57550cc96cc" xsi:nil="true"/>
+    <TrustLevel xmlns="4873beb7-5857-4685-be1f-d57550cc96cc">1 Microsoft Managed Content</TrustLevel>
+    <LocLastLocAttemptVersionLookup xmlns="4873beb7-5857-4685-be1f-d57550cc96cc">706496</LocLastLocAttemptVersionLookup>
+    <IsSearchable xmlns="4873beb7-5857-4685-be1f-d57550cc96cc">true</IsSearchable>
+    <TemplateTemplateType xmlns="4873beb7-5857-4685-be1f-d57550cc96cc">PowerPoint Presentation Template</TemplateTemplateType>
+    <CampaignTagsTaxHTField0 xmlns="4873beb7-5857-4685-be1f-d57550cc96cc">
+      <Terms xmlns="http://schemas.microsoft.com/office/infopath/2007/PartnerControls"/>
+    </CampaignTagsTaxHTField0>
+    <TPNamespace xmlns="4873beb7-5857-4685-be1f-d57550cc96cc" xsi:nil="true"/>
+    <TaxCatchAll xmlns="4873beb7-5857-4685-be1f-d57550cc96cc"/>
+    <Markets xmlns="4873beb7-5857-4685-be1f-d57550cc96cc"/>
+    <UAProjectedTotalWords xmlns="4873beb7-5857-4685-be1f-d57550cc96cc" xsi:nil="true"/>
+    <IntlLangReview xmlns="4873beb7-5857-4685-be1f-d57550cc96cc">false</IntlLangReview>
+    <OutputCachingOn xmlns="4873beb7-5857-4685-be1f-d57550cc96cc">false</OutputCachingOn>
+    <AverageRating xmlns="4873beb7-5857-4685-be1f-d57550cc96cc" xsi:nil="true"/>
+    <APAuthor xmlns="4873beb7-5857-4685-be1f-d57550cc96cc">
+      <UserInfo>
+        <DisplayName>REDMOND\v-soujap</DisplayName>
+        <AccountId>1954</AccountId>
+        <AccountType/>
+      </UserInfo>
+    </APAuthor>
+    <LocManualTestRequired xmlns="4873beb7-5857-4685-be1f-d57550cc96cc">false</LocManualTestRequired>
+    <TPCommandLine xmlns="4873beb7-5857-4685-be1f-d57550cc96cc" xsi:nil="true"/>
+    <TPAppVersion xmlns="4873beb7-5857-4685-be1f-d57550cc96cc" xsi:nil="true"/>
+    <EditorialStatus xmlns="4873beb7-5857-4685-be1f-d57550cc96cc">Complete</EditorialStatus>
+    <LastModifiedDateTime xmlns="4873beb7-5857-4685-be1f-d57550cc96cc" xsi:nil="true"/>
+    <ScenarioTagsTaxHTField0 xmlns="4873beb7-5857-4685-be1f-d57550cc96cc">
+      <Terms xmlns="http://schemas.microsoft.com/office/infopath/2007/PartnerControls"/>
+    </ScenarioTagsTaxHTField0>
+    <OriginalRelease xmlns="4873beb7-5857-4685-be1f-d57550cc96cc">14</OriginalRelease>
+    <TPLaunchHelpLinkType xmlns="4873beb7-5857-4685-be1f-d57550cc96cc">Template</TPLaunchHelpLinkType>
+    <LocalizationTagsTaxHTField0 xmlns="4873beb7-5857-4685-be1f-d57550cc96cc">
+      <Terms xmlns="http://schemas.microsoft.com/office/infopath/2007/PartnerControls"/>
+    </LocalizationTagsTaxHTField0>
+    <LocMarketGroupTiers2 xmlns="4873beb7-5857-4685-be1f-d57550cc96cc" xsi:nil="true"/>
+  </documentManagement>
+</p:properties>
+</file>
+
+<file path=customXml/item3.xml><?xml version="1.0" encoding="utf-8"?>
 <ct:contentTypeSchema xmlns:ct="http://schemas.microsoft.com/office/2006/metadata/contentType" xmlns:ma="http://schemas.microsoft.com/office/2006/metadata/properties/metaAttributes" ct:_="" ma:_="" ma:contentTypeName="TemplateFile" ma:contentTypeID="0x0101006EDDDB5EE6D98C44930B742096920B300400F5B6D36B3EF94B4E9A635CDF2A18F5B8" ma:contentTypeVersion="72" ma:contentTypeDescription="Create a new document." ma:contentTypeScope="" ma:versionID="a23e56308344d904b51738559c3d67c9">
   <xsd:schema xmlns:xsd="http://www.w3.org/2001/XMLSchema" xmlns:xs="http://www.w3.org/2001/XMLSchema" xmlns:p="http://schemas.microsoft.com/office/2006/metadata/properties" xmlns:ns2="4873beb7-5857-4685-be1f-d57550cc96cc" targetNamespace="http://schemas.microsoft.com/office/2006/metadata/properties" ma:root="true" ma:fieldsID="cd0908cc4600e77bf5da051303e00c8d" ns2:_="">
     <xsd:import namespace="4873beb7-5857-4685-be1f-d57550cc96cc"/>
@@ -7887,132 +8036,6 @@
 </ct:contentTypeSchema>
 </file>
 
-<file path=customXml/item3.xml><?xml version="1.0" encoding="utf-8"?>
-<p:properties xmlns:p="http://schemas.microsoft.com/office/2006/metadata/properties" xmlns:xsi="http://www.w3.org/2001/XMLSchema-instance" xmlns:pc="http://schemas.microsoft.com/office/infopath/2007/PartnerControls">
-  <documentManagement>
-    <DirectSourceMarket xmlns="4873beb7-5857-4685-be1f-d57550cc96cc" xsi:nil="true"/>
-    <ApprovalStatus xmlns="4873beb7-5857-4685-be1f-d57550cc96cc">InProgress</ApprovalStatus>
-    <MarketSpecific xmlns="4873beb7-5857-4685-be1f-d57550cc96cc">false</MarketSpecific>
-    <LocComments xmlns="4873beb7-5857-4685-be1f-d57550cc96cc" xsi:nil="true"/>
-    <ThumbnailAssetId xmlns="4873beb7-5857-4685-be1f-d57550cc96cc" xsi:nil="true"/>
-    <PrimaryImageGen xmlns="4873beb7-5857-4685-be1f-d57550cc96cc">false</PrimaryImageGen>
-    <LegacyData xmlns="4873beb7-5857-4685-be1f-d57550cc96cc" xsi:nil="true"/>
-    <LocRecommendedHandoff xmlns="4873beb7-5857-4685-be1f-d57550cc96cc" xsi:nil="true"/>
-    <BusinessGroup xmlns="4873beb7-5857-4685-be1f-d57550cc96cc" xsi:nil="true"/>
-    <BlockPublish xmlns="4873beb7-5857-4685-be1f-d57550cc96cc">false</BlockPublish>
-    <TPFriendlyName xmlns="4873beb7-5857-4685-be1f-d57550cc96cc" xsi:nil="true"/>
-    <NumericId xmlns="4873beb7-5857-4685-be1f-d57550cc96cc" xsi:nil="true"/>
-    <APEditor xmlns="4873beb7-5857-4685-be1f-d57550cc96cc">
-      <UserInfo>
-        <DisplayName/>
-        <AccountId xsi:nil="true"/>
-        <AccountType/>
-      </UserInfo>
-    </APEditor>
-    <SourceTitle xmlns="4873beb7-5857-4685-be1f-d57550cc96cc" xsi:nil="true"/>
-    <OpenTemplate xmlns="4873beb7-5857-4685-be1f-d57550cc96cc">true</OpenTemplate>
-    <UALocComments xmlns="4873beb7-5857-4685-be1f-d57550cc96cc" xsi:nil="true"/>
-    <ParentAssetId xmlns="4873beb7-5857-4685-be1f-d57550cc96cc" xsi:nil="true"/>
-    <IntlLangReviewDate xmlns="4873beb7-5857-4685-be1f-d57550cc96cc" xsi:nil="true"/>
-    <FeatureTagsTaxHTField0 xmlns="4873beb7-5857-4685-be1f-d57550cc96cc">
-      <Terms xmlns="http://schemas.microsoft.com/office/infopath/2007/PartnerControls"/>
-    </FeatureTagsTaxHTField0>
-    <PublishStatusLookup xmlns="4873beb7-5857-4685-be1f-d57550cc96cc">
-      <Value>1360476</Value>
-    </PublishStatusLookup>
-    <Providers xmlns="4873beb7-5857-4685-be1f-d57550cc96cc" xsi:nil="true"/>
-    <MachineTranslated xmlns="4873beb7-5857-4685-be1f-d57550cc96cc">false</MachineTranslated>
-    <OriginalSourceMarket xmlns="4873beb7-5857-4685-be1f-d57550cc96cc" xsi:nil="true"/>
-    <APDescription xmlns="4873beb7-5857-4685-be1f-d57550cc96cc" xsi:nil="true"/>
-    <ClipArtFilename xmlns="4873beb7-5857-4685-be1f-d57550cc96cc" xsi:nil="true"/>
-    <ContentItem xmlns="4873beb7-5857-4685-be1f-d57550cc96cc" xsi:nil="true"/>
-    <TPInstallLocation xmlns="4873beb7-5857-4685-be1f-d57550cc96cc" xsi:nil="true"/>
-    <PublishTargets xmlns="4873beb7-5857-4685-be1f-d57550cc96cc">OfficeOnlineVNext</PublishTargets>
-    <TimesCloned xmlns="4873beb7-5857-4685-be1f-d57550cc96cc" xsi:nil="true"/>
-    <AssetStart xmlns="4873beb7-5857-4685-be1f-d57550cc96cc">2011-12-12T13:37:00+00:00</AssetStart>
-    <Provider xmlns="4873beb7-5857-4685-be1f-d57550cc96cc" xsi:nil="true"/>
-    <AcquiredFrom xmlns="4873beb7-5857-4685-be1f-d57550cc96cc">Internal MS</AcquiredFrom>
-    <FriendlyTitle xmlns="4873beb7-5857-4685-be1f-d57550cc96cc" xsi:nil="true"/>
-    <LastHandOff xmlns="4873beb7-5857-4685-be1f-d57550cc96cc" xsi:nil="true"/>
-    <TPClientViewer xmlns="4873beb7-5857-4685-be1f-d57550cc96cc" xsi:nil="true"/>
-    <UACurrentWords xmlns="4873beb7-5857-4685-be1f-d57550cc96cc" xsi:nil="true"/>
-    <ArtSampleDocs xmlns="4873beb7-5857-4685-be1f-d57550cc96cc" xsi:nil="true"/>
-    <UALocRecommendation xmlns="4873beb7-5857-4685-be1f-d57550cc96cc">Localize</UALocRecommendation>
-    <Manager xmlns="4873beb7-5857-4685-be1f-d57550cc96cc" xsi:nil="true"/>
-    <ShowIn xmlns="4873beb7-5857-4685-be1f-d57550cc96cc">Show everywhere</ShowIn>
-    <UANotes xmlns="4873beb7-5857-4685-be1f-d57550cc96cc" xsi:nil="true"/>
-    <TemplateStatus xmlns="4873beb7-5857-4685-be1f-d57550cc96cc">Complete</TemplateStatus>
-    <InternalTagsTaxHTField0 xmlns="4873beb7-5857-4685-be1f-d57550cc96cc">
-      <Terms xmlns="http://schemas.microsoft.com/office/infopath/2007/PartnerControls"/>
-    </InternalTagsTaxHTField0>
-    <CSXHash xmlns="4873beb7-5857-4685-be1f-d57550cc96cc" xsi:nil="true"/>
-    <Downloads xmlns="4873beb7-5857-4685-be1f-d57550cc96cc">0</Downloads>
-    <VoteCount xmlns="4873beb7-5857-4685-be1f-d57550cc96cc" xsi:nil="true"/>
-    <OOCacheId xmlns="4873beb7-5857-4685-be1f-d57550cc96cc" xsi:nil="true"/>
-    <IsDeleted xmlns="4873beb7-5857-4685-be1f-d57550cc96cc">false</IsDeleted>
-    <AssetExpire xmlns="4873beb7-5857-4685-be1f-d57550cc96cc">2035-01-01T08:00:00+00:00</AssetExpire>
-    <DSATActionTaken xmlns="4873beb7-5857-4685-be1f-d57550cc96cc" xsi:nil="true"/>
-    <CSXSubmissionMarket xmlns="4873beb7-5857-4685-be1f-d57550cc96cc" xsi:nil="true"/>
-    <TPExecutable xmlns="4873beb7-5857-4685-be1f-d57550cc96cc" xsi:nil="true"/>
-    <SubmitterId xmlns="4873beb7-5857-4685-be1f-d57550cc96cc" xsi:nil="true"/>
-    <EditorialTags xmlns="4873beb7-5857-4685-be1f-d57550cc96cc" xsi:nil="true"/>
-    <ApprovalLog xmlns="4873beb7-5857-4685-be1f-d57550cc96cc" xsi:nil="true"/>
-    <AssetType xmlns="4873beb7-5857-4685-be1f-d57550cc96cc">TP</AssetType>
-    <BugNumber xmlns="4873beb7-5857-4685-be1f-d57550cc96cc" xsi:nil="true"/>
-    <CSXSubmissionDate xmlns="4873beb7-5857-4685-be1f-d57550cc96cc" xsi:nil="true"/>
-    <CSXUpdate xmlns="4873beb7-5857-4685-be1f-d57550cc96cc">false</CSXUpdate>
-    <Milestone xmlns="4873beb7-5857-4685-be1f-d57550cc96cc" xsi:nil="true"/>
-    <RecommendationsModifier xmlns="4873beb7-5857-4685-be1f-d57550cc96cc" xsi:nil="true"/>
-    <OriginAsset xmlns="4873beb7-5857-4685-be1f-d57550cc96cc" xsi:nil="true"/>
-    <TPComponent xmlns="4873beb7-5857-4685-be1f-d57550cc96cc" xsi:nil="true"/>
-    <AssetId xmlns="4873beb7-5857-4685-be1f-d57550cc96cc">TP102801058</AssetId>
-    <IntlLocPriority xmlns="4873beb7-5857-4685-be1f-d57550cc96cc" xsi:nil="true"/>
-    <PolicheckWords xmlns="4873beb7-5857-4685-be1f-d57550cc96cc" xsi:nil="true"/>
-    <TPLaunchHelpLink xmlns="4873beb7-5857-4685-be1f-d57550cc96cc" xsi:nil="true"/>
-    <TPApplication xmlns="4873beb7-5857-4685-be1f-d57550cc96cc" xsi:nil="true"/>
-    <CrawlForDependencies xmlns="4873beb7-5857-4685-be1f-d57550cc96cc">false</CrawlForDependencies>
-    <HandoffToMSDN xmlns="4873beb7-5857-4685-be1f-d57550cc96cc" xsi:nil="true"/>
-    <PlannedPubDate xmlns="4873beb7-5857-4685-be1f-d57550cc96cc" xsi:nil="true"/>
-    <IntlLangReviewer xmlns="4873beb7-5857-4685-be1f-d57550cc96cc" xsi:nil="true"/>
-    <TrustLevel xmlns="4873beb7-5857-4685-be1f-d57550cc96cc">1 Microsoft Managed Content</TrustLevel>
-    <LocLastLocAttemptVersionLookup xmlns="4873beb7-5857-4685-be1f-d57550cc96cc">706496</LocLastLocAttemptVersionLookup>
-    <IsSearchable xmlns="4873beb7-5857-4685-be1f-d57550cc96cc">true</IsSearchable>
-    <TemplateTemplateType xmlns="4873beb7-5857-4685-be1f-d57550cc96cc">PowerPoint Presentation Template</TemplateTemplateType>
-    <CampaignTagsTaxHTField0 xmlns="4873beb7-5857-4685-be1f-d57550cc96cc">
-      <Terms xmlns="http://schemas.microsoft.com/office/infopath/2007/PartnerControls"/>
-    </CampaignTagsTaxHTField0>
-    <TPNamespace xmlns="4873beb7-5857-4685-be1f-d57550cc96cc" xsi:nil="true"/>
-    <TaxCatchAll xmlns="4873beb7-5857-4685-be1f-d57550cc96cc"/>
-    <Markets xmlns="4873beb7-5857-4685-be1f-d57550cc96cc"/>
-    <UAProjectedTotalWords xmlns="4873beb7-5857-4685-be1f-d57550cc96cc" xsi:nil="true"/>
-    <IntlLangReview xmlns="4873beb7-5857-4685-be1f-d57550cc96cc">false</IntlLangReview>
-    <OutputCachingOn xmlns="4873beb7-5857-4685-be1f-d57550cc96cc">false</OutputCachingOn>
-    <AverageRating xmlns="4873beb7-5857-4685-be1f-d57550cc96cc" xsi:nil="true"/>
-    <APAuthor xmlns="4873beb7-5857-4685-be1f-d57550cc96cc">
-      <UserInfo>
-        <DisplayName>REDMOND\v-soujap</DisplayName>
-        <AccountId>1954</AccountId>
-        <AccountType/>
-      </UserInfo>
-    </APAuthor>
-    <LocManualTestRequired xmlns="4873beb7-5857-4685-be1f-d57550cc96cc">false</LocManualTestRequired>
-    <TPCommandLine xmlns="4873beb7-5857-4685-be1f-d57550cc96cc" xsi:nil="true"/>
-    <TPAppVersion xmlns="4873beb7-5857-4685-be1f-d57550cc96cc" xsi:nil="true"/>
-    <EditorialStatus xmlns="4873beb7-5857-4685-be1f-d57550cc96cc">Complete</EditorialStatus>
-    <LastModifiedDateTime xmlns="4873beb7-5857-4685-be1f-d57550cc96cc" xsi:nil="true"/>
-    <ScenarioTagsTaxHTField0 xmlns="4873beb7-5857-4685-be1f-d57550cc96cc">
-      <Terms xmlns="http://schemas.microsoft.com/office/infopath/2007/PartnerControls"/>
-    </ScenarioTagsTaxHTField0>
-    <OriginalRelease xmlns="4873beb7-5857-4685-be1f-d57550cc96cc">14</OriginalRelease>
-    <TPLaunchHelpLinkType xmlns="4873beb7-5857-4685-be1f-d57550cc96cc">Template</TPLaunchHelpLinkType>
-    <LocalizationTagsTaxHTField0 xmlns="4873beb7-5857-4685-be1f-d57550cc96cc">
-      <Terms xmlns="http://schemas.microsoft.com/office/infopath/2007/PartnerControls"/>
-    </LocalizationTagsTaxHTField0>
-    <LocMarketGroupTiers2 xmlns="4873beb7-5857-4685-be1f-d57550cc96cc" xsi:nil="true"/>
-  </documentManagement>
-</p:properties>
-</file>
-
 <file path=customXml/itemProps1.xml><?xml version="1.0" encoding="utf-8"?>
 <ds:datastoreItem xmlns:ds="http://schemas.openxmlformats.org/officeDocument/2006/customXml" ds:itemID="{8D003AC8-209A-4321-A17C-1B7A20643390}">
   <ds:schemaRefs>
@@ -8022,6 +8045,22 @@
 </file>
 
 <file path=customXml/itemProps2.xml><?xml version="1.0" encoding="utf-8"?>
+<ds:datastoreItem xmlns:ds="http://schemas.openxmlformats.org/officeDocument/2006/customXml" ds:itemID="{4ED80E12-3BE9-4746-820E-FFB249F467F2}">
+  <ds:schemaRefs>
+    <ds:schemaRef ds:uri="http://schemas.microsoft.com/office/2006/documentManagement/types"/>
+    <ds:schemaRef ds:uri="http://purl.org/dc/elements/1.1/"/>
+    <ds:schemaRef ds:uri="http://schemas.microsoft.com/office/2006/metadata/properties"/>
+    <ds:schemaRef ds:uri="4873beb7-5857-4685-be1f-d57550cc96cc"/>
+    <ds:schemaRef ds:uri="http://schemas.openxmlformats.org/package/2006/metadata/core-properties"/>
+    <ds:schemaRef ds:uri="http://purl.org/dc/terms/"/>
+    <ds:schemaRef ds:uri="http://schemas.microsoft.com/office/infopath/2007/PartnerControls"/>
+    <ds:schemaRef ds:uri="http://www.w3.org/XML/1998/namespace"/>
+    <ds:schemaRef ds:uri="http://purl.org/dc/dcmitype/"/>
+  </ds:schemaRefs>
+</ds:datastoreItem>
+</file>
+
+<file path=customXml/itemProps3.xml><?xml version="1.0" encoding="utf-8"?>
 <ds:datastoreItem xmlns:ds="http://schemas.openxmlformats.org/officeDocument/2006/customXml" ds:itemID="{83ED4759-CFDD-43F0-817C-11D9197192BA}">
   <ds:schemaRefs>
     <ds:schemaRef ds:uri="http://schemas.microsoft.com/office/2006/metadata/contentType"/>
@@ -8037,20 +8076,4 @@
     <ds:schemaRef ds:uri="http://schemas.microsoft.com/internal/obd"/>
   </ds:schemaRefs>
 </ds:datastoreItem>
-</file>
-
-<file path=customXml/itemProps3.xml><?xml version="1.0" encoding="utf-8"?>
-<ds:datastoreItem xmlns:ds="http://schemas.openxmlformats.org/officeDocument/2006/customXml" ds:itemID="{4ED80E12-3BE9-4746-820E-FFB249F467F2}">
-  <ds:schemaRefs>
-    <ds:schemaRef ds:uri="http://schemas.microsoft.com/office/2006/documentManagement/types"/>
-    <ds:schemaRef ds:uri="http://purl.org/dc/elements/1.1/"/>
-    <ds:schemaRef ds:uri="http://schemas.microsoft.com/office/2006/metadata/properties"/>
-    <ds:schemaRef ds:uri="4873beb7-5857-4685-be1f-d57550cc96cc"/>
-    <ds:schemaRef ds:uri="http://schemas.openxmlformats.org/package/2006/metadata/core-properties"/>
-    <ds:schemaRef ds:uri="http://purl.org/dc/terms/"/>
-    <ds:schemaRef ds:uri="http://schemas.microsoft.com/office/infopath/2007/PartnerControls"/>
-    <ds:schemaRef ds:uri="http://www.w3.org/XML/1998/namespace"/>
-    <ds:schemaRef ds:uri="http://purl.org/dc/dcmitype/"/>
-  </ds:schemaRefs>
-</ds:datastoreItem>
 </file>
--- a/Google BigQuery.pptx
+++ b/Google BigQuery.pptx
@@ -4897,11 +4897,7 @@
           <a:p>
             <a:r>
               <a:rPr lang="en-US" dirty="0" smtClean="0"/>
-              <a:t> Thank </a:t>
-            </a:r>
-            <a:r>
-              <a:rPr lang="en-US" dirty="0" smtClean="0"/>
-              <a:t>you !</a:t>
+              <a:t> Thank you !</a:t>
             </a:r>
             <a:endParaRPr lang="en-US" dirty="0"/>
           </a:p>
@@ -5800,7 +5796,6 @@
               <a:rPr lang="en-US" dirty="0"/>
               <a:t> Vardhan Reddy Nallavolu</a:t>
             </a:r>
-            <a:endParaRPr lang="en-US" dirty="0"/>
           </a:p>
         </p:txBody>
       </p:sp>
@@ -5960,7 +5955,6 @@
               <a:rPr lang="en-US" dirty="0"/>
               <a:t> Vardhan Reddy Nallavolu</a:t>
             </a:r>
-            <a:endParaRPr lang="en-US" dirty="0"/>
           </a:p>
         </p:txBody>
       </p:sp>
@@ -6871,132 +6865,6 @@
 </file>
 
 <file path=customXml/item2.xml><?xml version="1.0" encoding="utf-8"?>
-<p:properties xmlns:p="http://schemas.microsoft.com/office/2006/metadata/properties" xmlns:xsi="http://www.w3.org/2001/XMLSchema-instance" xmlns:pc="http://schemas.microsoft.com/office/infopath/2007/PartnerControls">
-  <documentManagement>
-    <DirectSourceMarket xmlns="4873beb7-5857-4685-be1f-d57550cc96cc" xsi:nil="true"/>
-    <ApprovalStatus xmlns="4873beb7-5857-4685-be1f-d57550cc96cc">InProgress</ApprovalStatus>
-    <MarketSpecific xmlns="4873beb7-5857-4685-be1f-d57550cc96cc">false</MarketSpecific>
-    <LocComments xmlns="4873beb7-5857-4685-be1f-d57550cc96cc" xsi:nil="true"/>
-    <ThumbnailAssetId xmlns="4873beb7-5857-4685-be1f-d57550cc96cc" xsi:nil="true"/>
-    <PrimaryImageGen xmlns="4873beb7-5857-4685-be1f-d57550cc96cc">false</PrimaryImageGen>
-    <LegacyData xmlns="4873beb7-5857-4685-be1f-d57550cc96cc" xsi:nil="true"/>
-    <LocRecommendedHandoff xmlns="4873beb7-5857-4685-be1f-d57550cc96cc" xsi:nil="true"/>
-    <BusinessGroup xmlns="4873beb7-5857-4685-be1f-d57550cc96cc" xsi:nil="true"/>
-    <BlockPublish xmlns="4873beb7-5857-4685-be1f-d57550cc96cc">false</BlockPublish>
-    <TPFriendlyName xmlns="4873beb7-5857-4685-be1f-d57550cc96cc" xsi:nil="true"/>
-    <NumericId xmlns="4873beb7-5857-4685-be1f-d57550cc96cc" xsi:nil="true"/>
-    <APEditor xmlns="4873beb7-5857-4685-be1f-d57550cc96cc">
-      <UserInfo>
-        <DisplayName/>
-        <AccountId xsi:nil="true"/>
-        <AccountType/>
-      </UserInfo>
-    </APEditor>
-    <SourceTitle xmlns="4873beb7-5857-4685-be1f-d57550cc96cc" xsi:nil="true"/>
-    <OpenTemplate xmlns="4873beb7-5857-4685-be1f-d57550cc96cc">true</OpenTemplate>
-    <UALocComments xmlns="4873beb7-5857-4685-be1f-d57550cc96cc" xsi:nil="true"/>
-    <ParentAssetId xmlns="4873beb7-5857-4685-be1f-d57550cc96cc" xsi:nil="true"/>
-    <IntlLangReviewDate xmlns="4873beb7-5857-4685-be1f-d57550cc96cc" xsi:nil="true"/>
-    <FeatureTagsTaxHTField0 xmlns="4873beb7-5857-4685-be1f-d57550cc96cc">
-      <Terms xmlns="http://schemas.microsoft.com/office/infopath/2007/PartnerControls"/>
-    </FeatureTagsTaxHTField0>
-    <PublishStatusLookup xmlns="4873beb7-5857-4685-be1f-d57550cc96cc">
-      <Value>1360476</Value>
-    </PublishStatusLookup>
-    <Providers xmlns="4873beb7-5857-4685-be1f-d57550cc96cc" xsi:nil="true"/>
-    <MachineTranslated xmlns="4873beb7-5857-4685-be1f-d57550cc96cc">false</MachineTranslated>
-    <OriginalSourceMarket xmlns="4873beb7-5857-4685-be1f-d57550cc96cc" xsi:nil="true"/>
-    <APDescription xmlns="4873beb7-5857-4685-be1f-d57550cc96cc" xsi:nil="true"/>
-    <ClipArtFilename xmlns="4873beb7-5857-4685-be1f-d57550cc96cc" xsi:nil="true"/>
-    <ContentItem xmlns="4873beb7-5857-4685-be1f-d57550cc96cc" xsi:nil="true"/>
-    <TPInstallLocation xmlns="4873beb7-5857-4685-be1f-d57550cc96cc" xsi:nil="true"/>
-    <PublishTargets xmlns="4873beb7-5857-4685-be1f-d57550cc96cc">OfficeOnlineVNext</PublishTargets>
-    <TimesCloned xmlns="4873beb7-5857-4685-be1f-d57550cc96cc" xsi:nil="true"/>
-    <AssetStart xmlns="4873beb7-5857-4685-be1f-d57550cc96cc">2011-12-12T13:37:00+00:00</AssetStart>
-    <Provider xmlns="4873beb7-5857-4685-be1f-d57550cc96cc" xsi:nil="true"/>
-    <AcquiredFrom xmlns="4873beb7-5857-4685-be1f-d57550cc96cc">Internal MS</AcquiredFrom>
-    <FriendlyTitle xmlns="4873beb7-5857-4685-be1f-d57550cc96cc" xsi:nil="true"/>
-    <LastHandOff xmlns="4873beb7-5857-4685-be1f-d57550cc96cc" xsi:nil="true"/>
-    <TPClientViewer xmlns="4873beb7-5857-4685-be1f-d57550cc96cc" xsi:nil="true"/>
-    <UACurrentWords xmlns="4873beb7-5857-4685-be1f-d57550cc96cc" xsi:nil="true"/>
-    <ArtSampleDocs xmlns="4873beb7-5857-4685-be1f-d57550cc96cc" xsi:nil="true"/>
-    <UALocRecommendation xmlns="4873beb7-5857-4685-be1f-d57550cc96cc">Localize</UALocRecommendation>
-    <Manager xmlns="4873beb7-5857-4685-be1f-d57550cc96cc" xsi:nil="true"/>
-    <ShowIn xmlns="4873beb7-5857-4685-be1f-d57550cc96cc">Show everywhere</ShowIn>
-    <UANotes xmlns="4873beb7-5857-4685-be1f-d57550cc96cc" xsi:nil="true"/>
-    <TemplateStatus xmlns="4873beb7-5857-4685-be1f-d57550cc96cc">Complete</TemplateStatus>
-    <InternalTagsTaxHTField0 xmlns="4873beb7-5857-4685-be1f-d57550cc96cc">
-      <Terms xmlns="http://schemas.microsoft.com/office/infopath/2007/PartnerControls"/>
-    </InternalTagsTaxHTField0>
-    <CSXHash xmlns="4873beb7-5857-4685-be1f-d57550cc96cc" xsi:nil="true"/>
-    <Downloads xmlns="4873beb7-5857-4685-be1f-d57550cc96cc">0</Downloads>
-    <VoteCount xmlns="4873beb7-5857-4685-be1f-d57550cc96cc" xsi:nil="true"/>
-    <OOCacheId xmlns="4873beb7-5857-4685-be1f-d57550cc96cc" xsi:nil="true"/>
-    <IsDeleted xmlns="4873beb7-5857-4685-be1f-d57550cc96cc">false</IsDeleted>
-    <AssetExpire xmlns="4873beb7-5857-4685-be1f-d57550cc96cc">2035-01-01T08:00:00+00:00</AssetExpire>
-    <DSATActionTaken xmlns="4873beb7-5857-4685-be1f-d57550cc96cc" xsi:nil="true"/>
-    <CSXSubmissionMarket xmlns="4873beb7-5857-4685-be1f-d57550cc96cc" xsi:nil="true"/>
-    <TPExecutable xmlns="4873beb7-5857-4685-be1f-d57550cc96cc" xsi:nil="true"/>
-    <SubmitterId xmlns="4873beb7-5857-4685-be1f-d57550cc96cc" xsi:nil="true"/>
-    <EditorialTags xmlns="4873beb7-5857-4685-be1f-d57550cc96cc" xsi:nil="true"/>
-    <ApprovalLog xmlns="4873beb7-5857-4685-be1f-d57550cc96cc" xsi:nil="true"/>
-    <AssetType xmlns="4873beb7-5857-4685-be1f-d57550cc96cc">TP</AssetType>
-    <BugNumber xmlns="4873beb7-5857-4685-be1f-d57550cc96cc" xsi:nil="true"/>
-    <CSXSubmissionDate xmlns="4873beb7-5857-4685-be1f-d57550cc96cc" xsi:nil="true"/>
-    <CSXUpdate xmlns="4873beb7-5857-4685-be1f-d57550cc96cc">false</CSXUpdate>
-    <Milestone xmlns="4873beb7-5857-4685-be1f-d57550cc96cc" xsi:nil="true"/>
-    <RecommendationsModifier xmlns="4873beb7-5857-4685-be1f-d57550cc96cc" xsi:nil="true"/>
-    <OriginAsset xmlns="4873beb7-5857-4685-be1f-d57550cc96cc" xsi:nil="true"/>
-    <TPComponent xmlns="4873beb7-5857-4685-be1f-d57550cc96cc" xsi:nil="true"/>
-    <AssetId xmlns="4873beb7-5857-4685-be1f-d57550cc96cc">TP102801058</AssetId>
-    <IntlLocPriority xmlns="4873beb7-5857-4685-be1f-d57550cc96cc" xsi:nil="true"/>
-    <PolicheckWords xmlns="4873beb7-5857-4685-be1f-d57550cc96cc" xsi:nil="true"/>
-    <TPLaunchHelpLink xmlns="4873beb7-5857-4685-be1f-d57550cc96cc" xsi:nil="true"/>
-    <TPApplication xmlns="4873beb7-5857-4685-be1f-d57550cc96cc" xsi:nil="true"/>
-    <CrawlForDependencies xmlns="4873beb7-5857-4685-be1f-d57550cc96cc">false</CrawlForDependencies>
-    <HandoffToMSDN xmlns="4873beb7-5857-4685-be1f-d57550cc96cc" xsi:nil="true"/>
-    <PlannedPubDate xmlns="4873beb7-5857-4685-be1f-d57550cc96cc" xsi:nil="true"/>
-    <IntlLangReviewer xmlns="4873beb7-5857-4685-be1f-d57550cc96cc" xsi:nil="true"/>
-    <TrustLevel xmlns="4873beb7-5857-4685-be1f-d57550cc96cc">1 Microsoft Managed Content</TrustLevel>
-    <LocLastLocAttemptVersionLookup xmlns="4873beb7-5857-4685-be1f-d57550cc96cc">706496</LocLastLocAttemptVersionLookup>
-    <IsSearchable xmlns="4873beb7-5857-4685-be1f-d57550cc96cc">true</IsSearchable>
-    <TemplateTemplateType xmlns="4873beb7-5857-4685-be1f-d57550cc96cc">PowerPoint Presentation Template</TemplateTemplateType>
-    <CampaignTagsTaxHTField0 xmlns="4873beb7-5857-4685-be1f-d57550cc96cc">
-      <Terms xmlns="http://schemas.microsoft.com/office/infopath/2007/PartnerControls"/>
-    </CampaignTagsTaxHTField0>
-    <TPNamespace xmlns="4873beb7-5857-4685-be1f-d57550cc96cc" xsi:nil="true"/>
-    <TaxCatchAll xmlns="4873beb7-5857-4685-be1f-d57550cc96cc"/>
-    <Markets xmlns="4873beb7-5857-4685-be1f-d57550cc96cc"/>
-    <UAProjectedTotalWords xmlns="4873beb7-5857-4685-be1f-d57550cc96cc" xsi:nil="true"/>
-    <IntlLangReview xmlns="4873beb7-5857-4685-be1f-d57550cc96cc">false</IntlLangReview>
-    <OutputCachingOn xmlns="4873beb7-5857-4685-be1f-d57550cc96cc">false</OutputCachingOn>
-    <AverageRating xmlns="4873beb7-5857-4685-be1f-d57550cc96cc" xsi:nil="true"/>
-    <APAuthor xmlns="4873beb7-5857-4685-be1f-d57550cc96cc">
-      <UserInfo>
-        <DisplayName>REDMOND\v-soujap</DisplayName>
-        <AccountId>1954</AccountId>
-        <AccountType/>
-      </UserInfo>
-    </APAuthor>
-    <LocManualTestRequired xmlns="4873beb7-5857-4685-be1f-d57550cc96cc">false</LocManualTestRequired>
-    <TPCommandLine xmlns="4873beb7-5857-4685-be1f-d57550cc96cc" xsi:nil="true"/>
-    <TPAppVersion xmlns="4873beb7-5857-4685-be1f-d57550cc96cc" xsi:nil="true"/>
-    <EditorialStatus xmlns="4873beb7-5857-4685-be1f-d57550cc96cc">Complete</EditorialStatus>
-    <LastModifiedDateTime xmlns="4873beb7-5857-4685-be1f-d57550cc96cc" xsi:nil="true"/>
-    <ScenarioTagsTaxHTField0 xmlns="4873beb7-5857-4685-be1f-d57550cc96cc">
-      <Terms xmlns="http://schemas.microsoft.com/office/infopath/2007/PartnerControls"/>
-    </ScenarioTagsTaxHTField0>
-    <OriginalRelease xmlns="4873beb7-5857-4685-be1f-d57550cc96cc">14</OriginalRelease>
-    <TPLaunchHelpLinkType xmlns="4873beb7-5857-4685-be1f-d57550cc96cc">Template</TPLaunchHelpLinkType>
-    <LocalizationTagsTaxHTField0 xmlns="4873beb7-5857-4685-be1f-d57550cc96cc">
-      <Terms xmlns="http://schemas.microsoft.com/office/infopath/2007/PartnerControls"/>
-    </LocalizationTagsTaxHTField0>
-    <LocMarketGroupTiers2 xmlns="4873beb7-5857-4685-be1f-d57550cc96cc" xsi:nil="true"/>
-  </documentManagement>
-</p:properties>
-</file>
-
-<file path=customXml/item3.xml><?xml version="1.0" encoding="utf-8"?>
 <ct:contentTypeSchema xmlns:ct="http://schemas.microsoft.com/office/2006/metadata/contentType" xmlns:ma="http://schemas.microsoft.com/office/2006/metadata/properties/metaAttributes" ct:_="" ma:_="" ma:contentTypeName="TemplateFile" ma:contentTypeID="0x0101006EDDDB5EE6D98C44930B742096920B300400F5B6D36B3EF94B4E9A635CDF2A18F5B8" ma:contentTypeVersion="72" ma:contentTypeDescription="Create a new document." ma:contentTypeScope="" ma:versionID="a23e56308344d904b51738559c3d67c9">
   <xsd:schema xmlns:xsd="http://www.w3.org/2001/XMLSchema" xmlns:xs="http://www.w3.org/2001/XMLSchema" xmlns:p="http://schemas.microsoft.com/office/2006/metadata/properties" xmlns:ns2="4873beb7-5857-4685-be1f-d57550cc96cc" targetNamespace="http://schemas.microsoft.com/office/2006/metadata/properties" ma:root="true" ma:fieldsID="cd0908cc4600e77bf5da051303e00c8d" ns2:_="">
     <xsd:import namespace="4873beb7-5857-4685-be1f-d57550cc96cc"/>
@@ -8036,6 +7904,132 @@
 </ct:contentTypeSchema>
 </file>
 
+<file path=customXml/item3.xml><?xml version="1.0" encoding="utf-8"?>
+<p:properties xmlns:p="http://schemas.microsoft.com/office/2006/metadata/properties" xmlns:xsi="http://www.w3.org/2001/XMLSchema-instance" xmlns:pc="http://schemas.microsoft.com/office/infopath/2007/PartnerControls">
+  <documentManagement>
+    <DirectSourceMarket xmlns="4873beb7-5857-4685-be1f-d57550cc96cc" xsi:nil="true"/>
+    <ApprovalStatus xmlns="4873beb7-5857-4685-be1f-d57550cc96cc">InProgress</ApprovalStatus>
+    <MarketSpecific xmlns="4873beb7-5857-4685-be1f-d57550cc96cc">false</MarketSpecific>
+    <LocComments xmlns="4873beb7-5857-4685-be1f-d57550cc96cc" xsi:nil="true"/>
+    <ThumbnailAssetId xmlns="4873beb7-5857-4685-be1f-d57550cc96cc" xsi:nil="true"/>
+    <PrimaryImageGen xmlns="4873beb7-5857-4685-be1f-d57550cc96cc">false</PrimaryImageGen>
+    <LegacyData xmlns="4873beb7-5857-4685-be1f-d57550cc96cc" xsi:nil="true"/>
+    <LocRecommendedHandoff xmlns="4873beb7-5857-4685-be1f-d57550cc96cc" xsi:nil="true"/>
+    <BusinessGroup xmlns="4873beb7-5857-4685-be1f-d57550cc96cc" xsi:nil="true"/>
+    <BlockPublish xmlns="4873beb7-5857-4685-be1f-d57550cc96cc">false</BlockPublish>
+    <TPFriendlyName xmlns="4873beb7-5857-4685-be1f-d57550cc96cc" xsi:nil="true"/>
+    <NumericId xmlns="4873beb7-5857-4685-be1f-d57550cc96cc" xsi:nil="true"/>
+    <APEditor xmlns="4873beb7-5857-4685-be1f-d57550cc96cc">
+      <UserInfo>
+        <DisplayName/>
+        <AccountId xsi:nil="true"/>
+        <AccountType/>
+      </UserInfo>
+    </APEditor>
+    <SourceTitle xmlns="4873beb7-5857-4685-be1f-d57550cc96cc" xsi:nil="true"/>
+    <OpenTemplate xmlns="4873beb7-5857-4685-be1f-d57550cc96cc">true</OpenTemplate>
+    <UALocComments xmlns="4873beb7-5857-4685-be1f-d57550cc96cc" xsi:nil="true"/>
+    <ParentAssetId xmlns="4873beb7-5857-4685-be1f-d57550cc96cc" xsi:nil="true"/>
+    <IntlLangReviewDate xmlns="4873beb7-5857-4685-be1f-d57550cc96cc" xsi:nil="true"/>
+    <FeatureTagsTaxHTField0 xmlns="4873beb7-5857-4685-be1f-d57550cc96cc">
+      <Terms xmlns="http://schemas.microsoft.com/office/infopath/2007/PartnerControls"/>
+    </FeatureTagsTaxHTField0>
+    <PublishStatusLookup xmlns="4873beb7-5857-4685-be1f-d57550cc96cc">
+      <Value>1360476</Value>
+    </PublishStatusLookup>
+    <Providers xmlns="4873beb7-5857-4685-be1f-d57550cc96cc" xsi:nil="true"/>
+    <MachineTranslated xmlns="4873beb7-5857-4685-be1f-d57550cc96cc">false</MachineTranslated>
+    <OriginalSourceMarket xmlns="4873beb7-5857-4685-be1f-d57550cc96cc" xsi:nil="true"/>
+    <APDescription xmlns="4873beb7-5857-4685-be1f-d57550cc96cc" xsi:nil="true"/>
+    <ClipArtFilename xmlns="4873beb7-5857-4685-be1f-d57550cc96cc" xsi:nil="true"/>
+    <ContentItem xmlns="4873beb7-5857-4685-be1f-d57550cc96cc" xsi:nil="true"/>
+    <TPInstallLocation xmlns="4873beb7-5857-4685-be1f-d57550cc96cc" xsi:nil="true"/>
+    <PublishTargets xmlns="4873beb7-5857-4685-be1f-d57550cc96cc">OfficeOnlineVNext</PublishTargets>
+    <TimesCloned xmlns="4873beb7-5857-4685-be1f-d57550cc96cc" xsi:nil="true"/>
+    <AssetStart xmlns="4873beb7-5857-4685-be1f-d57550cc96cc">2011-12-12T13:37:00+00:00</AssetStart>
+    <Provider xmlns="4873beb7-5857-4685-be1f-d57550cc96cc" xsi:nil="true"/>
+    <AcquiredFrom xmlns="4873beb7-5857-4685-be1f-d57550cc96cc">Internal MS</AcquiredFrom>
+    <FriendlyTitle xmlns="4873beb7-5857-4685-be1f-d57550cc96cc" xsi:nil="true"/>
+    <LastHandOff xmlns="4873beb7-5857-4685-be1f-d57550cc96cc" xsi:nil="true"/>
+    <TPClientViewer xmlns="4873beb7-5857-4685-be1f-d57550cc96cc" xsi:nil="true"/>
+    <UACurrentWords xmlns="4873beb7-5857-4685-be1f-d57550cc96cc" xsi:nil="true"/>
+    <ArtSampleDocs xmlns="4873beb7-5857-4685-be1f-d57550cc96cc" xsi:nil="true"/>
+    <UALocRecommendation xmlns="4873beb7-5857-4685-be1f-d57550cc96cc">Localize</UALocRecommendation>
+    <Manager xmlns="4873beb7-5857-4685-be1f-d57550cc96cc" xsi:nil="true"/>
+    <ShowIn xmlns="4873beb7-5857-4685-be1f-d57550cc96cc">Show everywhere</ShowIn>
+    <UANotes xmlns="4873beb7-5857-4685-be1f-d57550cc96cc" xsi:nil="true"/>
+    <TemplateStatus xmlns="4873beb7-5857-4685-be1f-d57550cc96cc">Complete</TemplateStatus>
+    <InternalTagsTaxHTField0 xmlns="4873beb7-5857-4685-be1f-d57550cc96cc">
+      <Terms xmlns="http://schemas.microsoft.com/office/infopath/2007/PartnerControls"/>
+    </InternalTagsTaxHTField0>
+    <CSXHash xmlns="4873beb7-5857-4685-be1f-d57550cc96cc" xsi:nil="true"/>
+    <Downloads xmlns="4873beb7-5857-4685-be1f-d57550cc96cc">0</Downloads>
+    <VoteCount xmlns="4873beb7-5857-4685-be1f-d57550cc96cc" xsi:nil="true"/>
+    <OOCacheId xmlns="4873beb7-5857-4685-be1f-d57550cc96cc" xsi:nil="true"/>
+    <IsDeleted xmlns="4873beb7-5857-4685-be1f-d57550cc96cc">false</IsDeleted>
+    <AssetExpire xmlns="4873beb7-5857-4685-be1f-d57550cc96cc">2035-01-01T08:00:00+00:00</AssetExpire>
+    <DSATActionTaken xmlns="4873beb7-5857-4685-be1f-d57550cc96cc" xsi:nil="true"/>
+    <CSXSubmissionMarket xmlns="4873beb7-5857-4685-be1f-d57550cc96cc" xsi:nil="true"/>
+    <TPExecutable xmlns="4873beb7-5857-4685-be1f-d57550cc96cc" xsi:nil="true"/>
+    <SubmitterId xmlns="4873beb7-5857-4685-be1f-d57550cc96cc" xsi:nil="true"/>
+    <EditorialTags xmlns="4873beb7-5857-4685-be1f-d57550cc96cc" xsi:nil="true"/>
+    <ApprovalLog xmlns="4873beb7-5857-4685-be1f-d57550cc96cc" xsi:nil="true"/>
+    <AssetType xmlns="4873beb7-5857-4685-be1f-d57550cc96cc">TP</AssetType>
+    <BugNumber xmlns="4873beb7-5857-4685-be1f-d57550cc96cc" xsi:nil="true"/>
+    <CSXSubmissionDate xmlns="4873beb7-5857-4685-be1f-d57550cc96cc" xsi:nil="true"/>
+    <CSXUpdate xmlns="4873beb7-5857-4685-be1f-d57550cc96cc">false</CSXUpdate>
+    <Milestone xmlns="4873beb7-5857-4685-be1f-d57550cc96cc" xsi:nil="true"/>
+    <RecommendationsModifier xmlns="4873beb7-5857-4685-be1f-d57550cc96cc" xsi:nil="true"/>
+    <OriginAsset xmlns="4873beb7-5857-4685-be1f-d57550cc96cc" xsi:nil="true"/>
+    <TPComponent xmlns="4873beb7-5857-4685-be1f-d57550cc96cc" xsi:nil="true"/>
+    <AssetId xmlns="4873beb7-5857-4685-be1f-d57550cc96cc">TP102801058</AssetId>
+    <IntlLocPriority xmlns="4873beb7-5857-4685-be1f-d57550cc96cc" xsi:nil="true"/>
+    <PolicheckWords xmlns="4873beb7-5857-4685-be1f-d57550cc96cc" xsi:nil="true"/>
+    <TPLaunchHelpLink xmlns="4873beb7-5857-4685-be1f-d57550cc96cc" xsi:nil="true"/>
+    <TPApplication xmlns="4873beb7-5857-4685-be1f-d57550cc96cc" xsi:nil="true"/>
+    <CrawlForDependencies xmlns="4873beb7-5857-4685-be1f-d57550cc96cc">false</CrawlForDependencies>
+    <HandoffToMSDN xmlns="4873beb7-5857-4685-be1f-d57550cc96cc" xsi:nil="true"/>
+    <PlannedPubDate xmlns="4873beb7-5857-4685-be1f-d57550cc96cc" xsi:nil="true"/>
+    <IntlLangReviewer xmlns="4873beb7-5857-4685-be1f-d57550cc96cc" xsi:nil="true"/>
+    <TrustLevel xmlns="4873beb7-5857-4685-be1f-d57550cc96cc">1 Microsoft Managed Content</TrustLevel>
+    <LocLastLocAttemptVersionLookup xmlns="4873beb7-5857-4685-be1f-d57550cc96cc">706496</LocLastLocAttemptVersionLookup>
+    <IsSearchable xmlns="4873beb7-5857-4685-be1f-d57550cc96cc">true</IsSearchable>
+    <TemplateTemplateType xmlns="4873beb7-5857-4685-be1f-d57550cc96cc">PowerPoint Presentation Template</TemplateTemplateType>
+    <CampaignTagsTaxHTField0 xmlns="4873beb7-5857-4685-be1f-d57550cc96cc">
+      <Terms xmlns="http://schemas.microsoft.com/office/infopath/2007/PartnerControls"/>
+    </CampaignTagsTaxHTField0>
+    <TPNamespace xmlns="4873beb7-5857-4685-be1f-d57550cc96cc" xsi:nil="true"/>
+    <TaxCatchAll xmlns="4873beb7-5857-4685-be1f-d57550cc96cc"/>
+    <Markets xmlns="4873beb7-5857-4685-be1f-d57550cc96cc"/>
+    <UAProjectedTotalWords xmlns="4873beb7-5857-4685-be1f-d57550cc96cc" xsi:nil="true"/>
+    <IntlLangReview xmlns="4873beb7-5857-4685-be1f-d57550cc96cc">false</IntlLangReview>
+    <OutputCachingOn xmlns="4873beb7-5857-4685-be1f-d57550cc96cc">false</OutputCachingOn>
+    <AverageRating xmlns="4873beb7-5857-4685-be1f-d57550cc96cc" xsi:nil="true"/>
+    <APAuthor xmlns="4873beb7-5857-4685-be1f-d57550cc96cc">
+      <UserInfo>
+        <DisplayName>REDMOND\v-soujap</DisplayName>
+        <AccountId>1954</AccountId>
+        <AccountType/>
+      </UserInfo>
+    </APAuthor>
+    <LocManualTestRequired xmlns="4873beb7-5857-4685-be1f-d57550cc96cc">false</LocManualTestRequired>
+    <TPCommandLine xmlns="4873beb7-5857-4685-be1f-d57550cc96cc" xsi:nil="true"/>
+    <TPAppVersion xmlns="4873beb7-5857-4685-be1f-d57550cc96cc" xsi:nil="true"/>
+    <EditorialStatus xmlns="4873beb7-5857-4685-be1f-d57550cc96cc">Complete</EditorialStatus>
+    <LastModifiedDateTime xmlns="4873beb7-5857-4685-be1f-d57550cc96cc" xsi:nil="true"/>
+    <ScenarioTagsTaxHTField0 xmlns="4873beb7-5857-4685-be1f-d57550cc96cc">
+      <Terms xmlns="http://schemas.microsoft.com/office/infopath/2007/PartnerControls"/>
+    </ScenarioTagsTaxHTField0>
+    <OriginalRelease xmlns="4873beb7-5857-4685-be1f-d57550cc96cc">14</OriginalRelease>
+    <TPLaunchHelpLinkType xmlns="4873beb7-5857-4685-be1f-d57550cc96cc">Template</TPLaunchHelpLinkType>
+    <LocalizationTagsTaxHTField0 xmlns="4873beb7-5857-4685-be1f-d57550cc96cc">
+      <Terms xmlns="http://schemas.microsoft.com/office/infopath/2007/PartnerControls"/>
+    </LocalizationTagsTaxHTField0>
+    <LocMarketGroupTiers2 xmlns="4873beb7-5857-4685-be1f-d57550cc96cc" xsi:nil="true"/>
+  </documentManagement>
+</p:properties>
+</file>
+
 <file path=customXml/itemProps1.xml><?xml version="1.0" encoding="utf-8"?>
 <ds:datastoreItem xmlns:ds="http://schemas.openxmlformats.org/officeDocument/2006/customXml" ds:itemID="{8D003AC8-209A-4321-A17C-1B7A20643390}">
   <ds:schemaRefs>
@@ -8045,22 +8039,6 @@
 </file>
 
 <file path=customXml/itemProps2.xml><?xml version="1.0" encoding="utf-8"?>
-<ds:datastoreItem xmlns:ds="http://schemas.openxmlformats.org/officeDocument/2006/customXml" ds:itemID="{4ED80E12-3BE9-4746-820E-FFB249F467F2}">
-  <ds:schemaRefs>
-    <ds:schemaRef ds:uri="http://schemas.microsoft.com/office/2006/documentManagement/types"/>
-    <ds:schemaRef ds:uri="http://purl.org/dc/elements/1.1/"/>
-    <ds:schemaRef ds:uri="http://schemas.microsoft.com/office/2006/metadata/properties"/>
-    <ds:schemaRef ds:uri="4873beb7-5857-4685-be1f-d57550cc96cc"/>
-    <ds:schemaRef ds:uri="http://schemas.openxmlformats.org/package/2006/metadata/core-properties"/>
-    <ds:schemaRef ds:uri="http://purl.org/dc/terms/"/>
-    <ds:schemaRef ds:uri="http://schemas.microsoft.com/office/infopath/2007/PartnerControls"/>
-    <ds:schemaRef ds:uri="http://www.w3.org/XML/1998/namespace"/>
-    <ds:schemaRef ds:uri="http://purl.org/dc/dcmitype/"/>
-  </ds:schemaRefs>
-</ds:datastoreItem>
-</file>
-
-<file path=customXml/itemProps3.xml><?xml version="1.0" encoding="utf-8"?>
 <ds:datastoreItem xmlns:ds="http://schemas.openxmlformats.org/officeDocument/2006/customXml" ds:itemID="{83ED4759-CFDD-43F0-817C-11D9197192BA}">
   <ds:schemaRefs>
     <ds:schemaRef ds:uri="http://schemas.microsoft.com/office/2006/metadata/contentType"/>
@@ -8076,4 +8054,20 @@
     <ds:schemaRef ds:uri="http://schemas.microsoft.com/internal/obd"/>
   </ds:schemaRefs>
 </ds:datastoreItem>
+</file>
+
+<file path=customXml/itemProps3.xml><?xml version="1.0" encoding="utf-8"?>
+<ds:datastoreItem xmlns:ds="http://schemas.openxmlformats.org/officeDocument/2006/customXml" ds:itemID="{4ED80E12-3BE9-4746-820E-FFB249F467F2}">
+  <ds:schemaRefs>
+    <ds:schemaRef ds:uri="http://schemas.microsoft.com/office/2006/documentManagement/types"/>
+    <ds:schemaRef ds:uri="http://purl.org/dc/elements/1.1/"/>
+    <ds:schemaRef ds:uri="http://schemas.microsoft.com/office/2006/metadata/properties"/>
+    <ds:schemaRef ds:uri="4873beb7-5857-4685-be1f-d57550cc96cc"/>
+    <ds:schemaRef ds:uri="http://schemas.openxmlformats.org/package/2006/metadata/core-properties"/>
+    <ds:schemaRef ds:uri="http://purl.org/dc/terms/"/>
+    <ds:schemaRef ds:uri="http://schemas.microsoft.com/office/infopath/2007/PartnerControls"/>
+    <ds:schemaRef ds:uri="http://www.w3.org/XML/1998/namespace"/>
+    <ds:schemaRef ds:uri="http://purl.org/dc/dcmitype/"/>
+  </ds:schemaRefs>
+</ds:datastoreItem>
 </file>
--- a/Google BigQuery.pptx
+++ b/Google BigQuery.pptx
@@ -5,10 +5,10 @@
     <p:sldMasterId id="2147483756" r:id="rId4"/>
   </p:sldMasterIdLst>
   <p:notesMasterIdLst>
-    <p:notesMasterId r:id="rId15"/>
+    <p:notesMasterId r:id="rId16"/>
   </p:notesMasterIdLst>
   <p:handoutMasterIdLst>
-    <p:handoutMasterId r:id="rId16"/>
+    <p:handoutMasterId r:id="rId17"/>
   </p:handoutMasterIdLst>
   <p:sldIdLst>
     <p:sldId id="267" r:id="rId5"/>
@@ -17,10 +17,11 @@
     <p:sldId id="284" r:id="rId8"/>
     <p:sldId id="285" r:id="rId9"/>
     <p:sldId id="286" r:id="rId10"/>
-    <p:sldId id="287" r:id="rId11"/>
-    <p:sldId id="288" r:id="rId12"/>
-    <p:sldId id="289" r:id="rId13"/>
-    <p:sldId id="290" r:id="rId14"/>
+    <p:sldId id="291" r:id="rId11"/>
+    <p:sldId id="287" r:id="rId12"/>
+    <p:sldId id="288" r:id="rId13"/>
+    <p:sldId id="289" r:id="rId14"/>
+    <p:sldId id="290" r:id="rId15"/>
   </p:sldIdLst>
   <p:sldSz cx="12188825" cy="6858000"/>
   <p:notesSz cx="6858000" cy="9144000"/>
@@ -4887,6 +4888,108 @@
         </p:nvSpPr>
         <p:spPr>
           <a:xfrm>
+            <a:off x="3732212" y="2514600"/>
+            <a:ext cx="9751060" cy="1168400"/>
+          </a:xfrm>
+        </p:spPr>
+        <p:txBody>
+          <a:bodyPr/>
+          <a:lstStyle/>
+          <a:p>
+            <a:r>
+              <a:rPr lang="en-US" dirty="0" smtClean="0"/>
+              <a:t>   Demo </a:t>
+            </a:r>
+            <a:r>
+              <a:rPr lang="en-US" dirty="0"/>
+              <a:t>on BigQuery</a:t>
+            </a:r>
+          </a:p>
+        </p:txBody>
+      </p:sp>
+      <p:sp>
+        <p:nvSpPr>
+          <p:cNvPr id="5" name="Rectangle 4"/>
+          <p:cNvSpPr/>
+          <p:nvPr/>
+        </p:nvSpPr>
+        <p:spPr>
+          <a:xfrm>
+            <a:off x="9066212" y="5867400"/>
+            <a:ext cx="2367123" cy="369332"/>
+          </a:xfrm>
+          <a:prstGeom prst="rect">
+            <a:avLst/>
+          </a:prstGeom>
+        </p:spPr>
+        <p:txBody>
+          <a:bodyPr wrap="none">
+            <a:spAutoFit/>
+          </a:bodyPr>
+          <a:lstStyle/>
+          <a:p>
+            <a:r>
+              <a:rPr lang="en-US" dirty="0" smtClean="0"/>
+              <a:t>Vijay Kumar Karanam</a:t>
+            </a:r>
+            <a:endParaRPr lang="en-US" dirty="0"/>
+          </a:p>
+        </p:txBody>
+      </p:sp>
+    </p:spTree>
+    <p:extLst>
+      <p:ext uri="{BB962C8B-B14F-4D97-AF65-F5344CB8AC3E}">
+        <p14:creationId xmlns:p14="http://schemas.microsoft.com/office/powerpoint/2010/main" val="1034430862"/>
+      </p:ext>
+    </p:extLst>
+  </p:cSld>
+  <p:clrMapOvr>
+    <a:masterClrMapping/>
+  </p:clrMapOvr>
+  <mc:AlternateContent xmlns:mc="http://schemas.openxmlformats.org/markup-compatibility/2006" xmlns:p14="http://schemas.microsoft.com/office/powerpoint/2010/main">
+    <mc:Choice Requires="p14">
+      <p:transition spd="med" p14:dur="700">
+        <p:fade/>
+      </p:transition>
+    </mc:Choice>
+    <mc:Fallback xmlns="">
+      <p:transition spd="med">
+        <p:fade/>
+      </p:transition>
+    </mc:Fallback>
+  </mc:AlternateContent>
+</p:sld>
+</file>
+
+<file path=ppt/slides/slide11.xml><?xml version="1.0" encoding="utf-8"?>
+<p:sld xmlns:a="http://schemas.openxmlformats.org/drawingml/2006/main" xmlns:r="http://schemas.openxmlformats.org/officeDocument/2006/relationships" xmlns:p="http://schemas.openxmlformats.org/presentationml/2006/main">
+  <p:cSld>
+    <p:spTree>
+      <p:nvGrpSpPr>
+        <p:cNvPr id="1" name=""/>
+        <p:cNvGrpSpPr/>
+        <p:nvPr/>
+      </p:nvGrpSpPr>
+      <p:grpSpPr>
+        <a:xfrm>
+          <a:off x="0" y="0"/>
+          <a:ext cx="0" cy="0"/>
+          <a:chOff x="0" y="0"/>
+          <a:chExt cx="0" cy="0"/>
+        </a:xfrm>
+      </p:grpSpPr>
+      <p:sp>
+        <p:nvSpPr>
+          <p:cNvPr id="2" name="Title 1"/>
+          <p:cNvSpPr>
+            <a:spLocks noGrp="1"/>
+          </p:cNvSpPr>
+          <p:nvPr>
+            <p:ph type="title"/>
+          </p:nvPr>
+        </p:nvSpPr>
+        <p:spPr>
+          <a:xfrm>
             <a:off x="4113212" y="2438400"/>
             <a:ext cx="9751060" cy="1168400"/>
           </a:xfrm>
@@ -5536,59 +5639,51 @@
         <p:spPr/>
         <p:txBody>
           <a:bodyPr>
-            <a:normAutofit lnSpcReduction="10000"/>
+            <a:normAutofit/>
           </a:bodyPr>
           <a:lstStyle/>
           <a:p>
             <a:r>
+              <a:rPr lang="en-US" dirty="0" err="1"/>
+              <a:t>BigQuery</a:t>
+            </a:r>
+            <a:r>
               <a:rPr lang="en-US" dirty="0"/>
-              <a:t>BigQuery stores data in a columnar </a:t>
-            </a:r>
-            <a:r>
-              <a:rPr lang="en-US" dirty="0" smtClean="0"/>
-              <a:t>format.</a:t>
+              <a:t> stores data in a columnar format.</a:t>
             </a:r>
           </a:p>
           <a:p>
             <a:r>
               <a:rPr lang="en-US" dirty="0"/>
-              <a:t>BigQuery achieves very high compression ratio and scan throughput. </a:t>
-            </a:r>
-            <a:endParaRPr lang="en-US" dirty="0" smtClean="0"/>
+              <a:t>In a row-oriented database management system, the data would be stored like this:  1,Doe,John,8000;2,Smith,Jane,4000;3,Beck,Sam,1000;  </a:t>
+            </a:r>
           </a:p>
           <a:p>
             <a:r>
               <a:rPr lang="en-US" dirty="0"/>
-              <a:t>Columnar storage has the following advantages</a:t>
-            </a:r>
-            <a:r>
-              <a:rPr lang="en-US" dirty="0" smtClean="0"/>
-              <a:t>:</a:t>
-            </a:r>
-          </a:p>
-          <a:p>
-            <a:r>
-              <a:rPr lang="en-US" b="1" dirty="0"/>
-              <a:t>Traffic minimization </a:t>
+              <a:t>In a column-oriented database management system, the data would be stored like this:  1,2,3;Doe,Smith,Beck;John,Jane,Sam;8000,4000,1000; </a:t>
+            </a:r>
+          </a:p>
+          <a:p>
+            <a:r>
+              <a:rPr lang="en-US" dirty="0" err="1"/>
+              <a:t>BigQuery</a:t>
             </a:r>
             <a:r>
               <a:rPr lang="en-US" dirty="0"/>
-              <a:t>— When you submit a query, the required column values on each query are scanned and only those are transferred on query execution. E.g., a query `SELECT title FROM Collection` would access the title column values only</a:t>
-            </a:r>
-            <a:r>
-              <a:rPr lang="en-US" dirty="0" smtClean="0"/>
-              <a:t>.</a:t>
-            </a:r>
-          </a:p>
-          <a:p>
-            <a:r>
-              <a:rPr lang="en-US" b="1" dirty="0"/>
-              <a:t>Higher compression ratio</a:t>
+              <a:t> depends on Borg  and </a:t>
+            </a:r>
+            <a:r>
+              <a:rPr lang="en-US" dirty="0" err="1"/>
+              <a:t>Dremel</a:t>
             </a:r>
             <a:r>
               <a:rPr lang="en-US" dirty="0"/>
-              <a:t> — Columnar storage can achieve a compression ratio of 1:10, whereas ordinary row-based storage can compress at roughly 1:3.</a:t>
-            </a:r>
+              <a:t> jobs for data processing </a:t>
+            </a:r>
+          </a:p>
+          <a:p>
+            <a:endParaRPr lang="en-US" dirty="0"/>
           </a:p>
         </p:txBody>
       </p:sp>
@@ -5688,20 +5783,9 @@
           <a:p>
             <a:r>
               <a:rPr lang="en-US" b="1" dirty="0"/>
-              <a:t>BigQuery vs. </a:t>
-            </a:r>
-            <a:r>
-              <a:rPr lang="en-US" b="1" dirty="0" err="1"/>
-              <a:t>MapReduce</a:t>
-            </a:r>
-            <a:r>
-              <a:rPr lang="en-US" b="1" dirty="0"/>
-              <a:t/>
-            </a:r>
-            <a:br>
-              <a:rPr lang="en-US" b="1" dirty="0"/>
-            </a:br>
-            <a:endParaRPr lang="en-US" b="1" dirty="0"/>
+              <a:t>Advantages of Columnar storage </a:t>
+            </a:r>
+            <a:endParaRPr lang="en-US" dirty="0"/>
           </a:p>
         </p:txBody>
       </p:sp>
@@ -5722,47 +5806,28 @@
           <a:p>
             <a:r>
               <a:rPr lang="en-US" dirty="0"/>
-              <a:t>The key differences between BigQuery and </a:t>
-            </a:r>
-            <a:r>
-              <a:rPr lang="en-US" dirty="0" err="1"/>
-              <a:t>MapReduce</a:t>
+              <a:t>Columnar storage has the following advantages:</a:t>
+            </a:r>
+          </a:p>
+          <a:p>
+            <a:r>
+              <a:rPr lang="en-US" b="1" dirty="0"/>
+              <a:t>Traffic minimization </a:t>
             </a:r>
             <a:r>
               <a:rPr lang="en-US" dirty="0"/>
-              <a:t> are </a:t>
-            </a:r>
-            <a:r>
-              <a:rPr lang="en-US" dirty="0" smtClean="0"/>
-              <a:t>:</a:t>
-            </a:r>
-          </a:p>
-          <a:p>
-            <a:r>
-              <a:rPr lang="en-US" dirty="0" smtClean="0"/>
-              <a:t>BigQuery </a:t>
+              <a:t>— When you submit a query, the required column values on each query are scanned and only those are transferred on query execution. E.g., a query `SELECT title FROM Collection` would access the title column values only.</a:t>
+            </a:r>
+          </a:p>
+          <a:p>
+            <a:r>
+              <a:rPr lang="en-US" b="1" dirty="0"/>
+              <a:t>Higher compression ratio</a:t>
             </a:r>
             <a:r>
               <a:rPr lang="en-US" dirty="0"/>
-              <a:t>is designed as an interactive data analysis tool for large datasets</a:t>
-            </a:r>
-          </a:p>
-          <a:p>
-            <a:r>
-              <a:rPr lang="en-US" dirty="0" err="1"/>
-              <a:t>MapReduce</a:t>
-            </a:r>
-            <a:r>
-              <a:rPr lang="en-US" dirty="0"/>
-              <a:t> is designed as a programming framework to batch process large </a:t>
-            </a:r>
-            <a:r>
-              <a:rPr lang="en-US" dirty="0" smtClean="0"/>
-              <a:t>datasets.</a:t>
-            </a:r>
-            <a:endParaRPr lang="en-US" dirty="0"/>
-          </a:p>
-          <a:p>
+              <a:t> — Columnar storage can achieve a compression ratio of 1:10, whereas ordinary row-based storage can compress at roughly 1:3.</a:t>
+            </a:r>
             <a:endParaRPr lang="en-US" dirty="0"/>
           </a:p>
         </p:txBody>
@@ -5775,8 +5840,8 @@
         </p:nvSpPr>
         <p:spPr>
           <a:xfrm>
-            <a:off x="8380412" y="5885934"/>
-            <a:ext cx="3462743" cy="369332"/>
+            <a:off x="8609012" y="5885934"/>
+            <a:ext cx="2825710" cy="369332"/>
           </a:xfrm>
           <a:prstGeom prst="rect">
             <a:avLst/>
@@ -5790,19 +5855,24 @@
           <a:p>
             <a:r>
               <a:rPr lang="en-US" dirty="0" err="1"/>
-              <a:t>Harsha</a:t>
+              <a:t>Prajakt</a:t>
             </a:r>
             <a:r>
               <a:rPr lang="en-US" dirty="0"/>
-              <a:t> Vardhan Reddy Nallavolu</a:t>
-            </a:r>
+              <a:t> Uttamrao </a:t>
+            </a:r>
+            <a:r>
+              <a:rPr lang="en-US" dirty="0" err="1"/>
+              <a:t>Khawase</a:t>
+            </a:r>
+            <a:endParaRPr lang="en-US" dirty="0"/>
           </a:p>
         </p:txBody>
       </p:sp>
     </p:spTree>
     <p:extLst>
       <p:ext uri="{BB962C8B-B14F-4D97-AF65-F5344CB8AC3E}">
-        <p14:creationId xmlns:p14="http://schemas.microsoft.com/office/powerpoint/2010/main" val="3347129466"/>
+        <p14:creationId xmlns:p14="http://schemas.microsoft.com/office/powerpoint/2010/main" val="1772366399"/>
       </p:ext>
     </p:extLst>
   </p:cSld>
@@ -5858,8 +5928,20 @@
           <a:p>
             <a:r>
               <a:rPr lang="en-US" b="1" dirty="0"/>
-              <a:t>Comparing BigQuery and Redshift</a:t>
-            </a:r>
+              <a:t>BigQuery vs. </a:t>
+            </a:r>
+            <a:r>
+              <a:rPr lang="en-US" b="1" dirty="0" err="1"/>
+              <a:t>MapReduce</a:t>
+            </a:r>
+            <a:r>
+              <a:rPr lang="en-US" b="1" dirty="0"/>
+              <a:t/>
+            </a:r>
+            <a:br>
+              <a:rPr lang="en-US" b="1" dirty="0"/>
+            </a:br>
+            <a:endParaRPr lang="en-US" b="1" dirty="0"/>
           </a:p>
         </p:txBody>
       </p:sp>
@@ -5880,49 +5962,48 @@
           <a:p>
             <a:r>
               <a:rPr lang="en-US" dirty="0"/>
-              <a:t>In Redshift, you need to allocate different instance types and create your own clusters</a:t>
+              <a:t>The key differences between BigQuery and </a:t>
+            </a:r>
+            <a:r>
+              <a:rPr lang="en-US" dirty="0" err="1"/>
+              <a:t>MapReduce</a:t>
+            </a:r>
+            <a:r>
+              <a:rPr lang="en-US" dirty="0"/>
+              <a:t> are </a:t>
             </a:r>
             <a:r>
               <a:rPr lang="en-US" dirty="0" smtClean="0"/>
-              <a:t>.</a:t>
-            </a:r>
-          </a:p>
-          <a:p>
+              <a:t>:</a:t>
+            </a:r>
+          </a:p>
+          <a:p>
+            <a:r>
+              <a:rPr lang="en-US" dirty="0" smtClean="0"/>
+              <a:t>BigQuery </a:t>
+            </a:r>
             <a:r>
               <a:rPr lang="en-US" dirty="0"/>
-              <a:t>The benefit of this is that it lets you tune the compute/storage to meet your needs</a:t>
+              <a:t>is designed as an interactive data analysis tool for large datasets</a:t>
+            </a:r>
+          </a:p>
+          <a:p>
+            <a:r>
+              <a:rPr lang="en-US" dirty="0" err="1"/>
+              <a:t>MapReduce</a:t>
+            </a:r>
+            <a:r>
+              <a:rPr lang="en-US" dirty="0"/>
+              <a:t> is designed as a programming framework to batch process large </a:t>
             </a:r>
             <a:r>
               <a:rPr lang="en-US" dirty="0" smtClean="0"/>
-              <a:t>.</a:t>
-            </a:r>
-          </a:p>
-          <a:p>
-            <a:r>
-              <a:rPr lang="en-US" dirty="0"/>
-              <a:t>In BigQuery, you just upload the data and query it. It is a truly managed service. </a:t>
-            </a:r>
-            <a:endParaRPr lang="en-US" dirty="0" smtClean="0"/>
-          </a:p>
-          <a:p>
-            <a:r>
-              <a:rPr lang="en-US" dirty="0" smtClean="0"/>
-              <a:t>You </a:t>
-            </a:r>
-            <a:r>
-              <a:rPr lang="en-US" dirty="0"/>
-              <a:t>are charged by storage, streaming inserts, and queries</a:t>
-            </a:r>
-            <a:r>
-              <a:rPr lang="en-US" dirty="0" smtClean="0"/>
-              <a:t>.</a:t>
-            </a:r>
-          </a:p>
-          <a:p>
-            <a:r>
-              <a:rPr lang="en-US" dirty="0"/>
-              <a:t>There are more similarities in both the data warehouses than the differences.</a:t>
-            </a:r>
+              <a:t>datasets.</a:t>
+            </a:r>
+            <a:endParaRPr lang="en-US" dirty="0"/>
+          </a:p>
+          <a:p>
+            <a:endParaRPr lang="en-US" dirty="0"/>
           </a:p>
         </p:txBody>
       </p:sp>
@@ -5934,7 +6015,7 @@
         </p:nvSpPr>
         <p:spPr>
           <a:xfrm>
-            <a:off x="8380412" y="5930594"/>
+            <a:off x="8380412" y="5885934"/>
             <a:ext cx="3462743" cy="369332"/>
           </a:xfrm>
           <a:prstGeom prst="rect">
@@ -5961,7 +6042,7 @@
     </p:spTree>
     <p:extLst>
       <p:ext uri="{BB962C8B-B14F-4D97-AF65-F5344CB8AC3E}">
-        <p14:creationId xmlns:p14="http://schemas.microsoft.com/office/powerpoint/2010/main" val="2742229384"/>
+        <p14:creationId xmlns:p14="http://schemas.microsoft.com/office/powerpoint/2010/main" val="3347129466"/>
       </p:ext>
     </p:extLst>
   </p:cSld>
@@ -6010,37 +6091,91 @@
             <p:ph type="title"/>
           </p:nvPr>
         </p:nvSpPr>
+        <p:spPr/>
+        <p:txBody>
+          <a:bodyPr/>
+          <a:lstStyle/>
+          <a:p>
+            <a:r>
+              <a:rPr lang="en-US" b="1" dirty="0"/>
+              <a:t>Comparing BigQuery and Redshift</a:t>
+            </a:r>
+          </a:p>
+        </p:txBody>
+      </p:sp>
+      <p:sp>
+        <p:nvSpPr>
+          <p:cNvPr id="3" name="Content Placeholder 2"/>
+          <p:cNvSpPr>
+            <a:spLocks noGrp="1"/>
+          </p:cNvSpPr>
+          <p:nvPr>
+            <p:ph idx="1"/>
+          </p:nvPr>
+        </p:nvSpPr>
+        <p:spPr/>
+        <p:txBody>
+          <a:bodyPr/>
+          <a:lstStyle/>
+          <a:p>
+            <a:r>
+              <a:rPr lang="en-US" dirty="0"/>
+              <a:t>In Redshift, you need to allocate different instance types and create your own clusters</a:t>
+            </a:r>
+            <a:r>
+              <a:rPr lang="en-US" dirty="0" smtClean="0"/>
+              <a:t>.</a:t>
+            </a:r>
+          </a:p>
+          <a:p>
+            <a:r>
+              <a:rPr lang="en-US" dirty="0"/>
+              <a:t>The benefit of this is that it lets you tune the compute/storage to meet your needs</a:t>
+            </a:r>
+            <a:r>
+              <a:rPr lang="en-US" dirty="0" smtClean="0"/>
+              <a:t>.</a:t>
+            </a:r>
+          </a:p>
+          <a:p>
+            <a:r>
+              <a:rPr lang="en-US" dirty="0"/>
+              <a:t>In BigQuery, you just upload the data and query it. It is a truly managed service. </a:t>
+            </a:r>
+            <a:endParaRPr lang="en-US" dirty="0" smtClean="0"/>
+          </a:p>
+          <a:p>
+            <a:r>
+              <a:rPr lang="en-US" dirty="0" smtClean="0"/>
+              <a:t>You </a:t>
+            </a:r>
+            <a:r>
+              <a:rPr lang="en-US" dirty="0"/>
+              <a:t>are charged by storage, streaming inserts, and queries</a:t>
+            </a:r>
+            <a:r>
+              <a:rPr lang="en-US" dirty="0" smtClean="0"/>
+              <a:t>.</a:t>
+            </a:r>
+          </a:p>
+          <a:p>
+            <a:r>
+              <a:rPr lang="en-US" dirty="0"/>
+              <a:t>There are more similarities in both the data warehouses than the differences.</a:t>
+            </a:r>
+          </a:p>
+        </p:txBody>
+      </p:sp>
+      <p:sp>
+        <p:nvSpPr>
+          <p:cNvPr id="4" name="Rectangle 3"/>
+          <p:cNvSpPr/>
+          <p:nvPr/>
+        </p:nvSpPr>
         <p:spPr>
           <a:xfrm>
-            <a:off x="3732212" y="2514600"/>
-            <a:ext cx="9751060" cy="1168400"/>
-          </a:xfrm>
-        </p:spPr>
-        <p:txBody>
-          <a:bodyPr/>
-          <a:lstStyle/>
-          <a:p>
-            <a:r>
-              <a:rPr lang="en-US" dirty="0" smtClean="0"/>
-              <a:t>   Demo </a:t>
-            </a:r>
-            <a:r>
-              <a:rPr lang="en-US" dirty="0"/>
-              <a:t>on BigQuery</a:t>
-            </a:r>
-          </a:p>
-        </p:txBody>
-      </p:sp>
-      <p:sp>
-        <p:nvSpPr>
-          <p:cNvPr id="5" name="Rectangle 4"/>
-          <p:cNvSpPr/>
-          <p:nvPr/>
-        </p:nvSpPr>
-        <p:spPr>
-          <a:xfrm>
-            <a:off x="9066212" y="5867400"/>
-            <a:ext cx="2367123" cy="369332"/>
+            <a:off x="8380412" y="5930594"/>
+            <a:ext cx="3462743" cy="369332"/>
           </a:xfrm>
           <a:prstGeom prst="rect">
             <a:avLst/>
@@ -6053,17 +6188,20 @@
           <a:lstStyle/>
           <a:p>
             <a:r>
-              <a:rPr lang="en-US" dirty="0" smtClean="0"/>
-              <a:t>Vijay Kumar Karanam</a:t>
-            </a:r>
-            <a:endParaRPr lang="en-US" dirty="0"/>
+              <a:rPr lang="en-US" dirty="0" err="1"/>
+              <a:t>Harsha</a:t>
+            </a:r>
+            <a:r>
+              <a:rPr lang="en-US" dirty="0"/>
+              <a:t> Vardhan Reddy Nallavolu</a:t>
+            </a:r>
           </a:p>
         </p:txBody>
       </p:sp>
     </p:spTree>
     <p:extLst>
       <p:ext uri="{BB962C8B-B14F-4D97-AF65-F5344CB8AC3E}">
-        <p14:creationId xmlns:p14="http://schemas.microsoft.com/office/powerpoint/2010/main" val="1034430862"/>
+        <p14:creationId xmlns:p14="http://schemas.microsoft.com/office/powerpoint/2010/main" val="2742229384"/>
       </p:ext>
     </p:extLst>
   </p:cSld>
@@ -6856,15 +6994,6 @@
 </file>
 
 <file path=customXml/item1.xml><?xml version="1.0" encoding="utf-8"?>
-<?mso-contentType ?>
-<FormTemplates xmlns="http://schemas.microsoft.com/sharepoint/v3/contenttype/forms">
-  <Display>DocumentLibraryForm</Display>
-  <Edit>AssetEditForm</Edit>
-  <New>DocumentLibraryForm</New>
-</FormTemplates>
-</file>
-
-<file path=customXml/item2.xml><?xml version="1.0" encoding="utf-8"?>
 <ct:contentTypeSchema xmlns:ct="http://schemas.microsoft.com/office/2006/metadata/contentType" xmlns:ma="http://schemas.microsoft.com/office/2006/metadata/properties/metaAttributes" ct:_="" ma:_="" ma:contentTypeName="TemplateFile" ma:contentTypeID="0x0101006EDDDB5EE6D98C44930B742096920B300400F5B6D36B3EF94B4E9A635CDF2A18F5B8" ma:contentTypeVersion="72" ma:contentTypeDescription="Create a new document." ma:contentTypeScope="" ma:versionID="a23e56308344d904b51738559c3d67c9">
   <xsd:schema xmlns:xsd="http://www.w3.org/2001/XMLSchema" xmlns:xs="http://www.w3.org/2001/XMLSchema" xmlns:p="http://schemas.microsoft.com/office/2006/metadata/properties" xmlns:ns2="4873beb7-5857-4685-be1f-d57550cc96cc" targetNamespace="http://schemas.microsoft.com/office/2006/metadata/properties" ma:root="true" ma:fieldsID="cd0908cc4600e77bf5da051303e00c8d" ns2:_="">
     <xsd:import namespace="4873beb7-5857-4685-be1f-d57550cc96cc"/>
@@ -7904,6 +8033,15 @@
 </ct:contentTypeSchema>
 </file>
 
+<file path=customXml/item2.xml><?xml version="1.0" encoding="utf-8"?>
+<?mso-contentType ?>
+<FormTemplates xmlns="http://schemas.microsoft.com/sharepoint/v3/contenttype/forms">
+  <Display>DocumentLibraryForm</Display>
+  <Edit>AssetEditForm</Edit>
+  <New>DocumentLibraryForm</New>
+</FormTemplates>
+</file>
+
 <file path=customXml/item3.xml><?xml version="1.0" encoding="utf-8"?>
 <p:properties xmlns:p="http://schemas.microsoft.com/office/2006/metadata/properties" xmlns:xsi="http://www.w3.org/2001/XMLSchema-instance" xmlns:pc="http://schemas.microsoft.com/office/infopath/2007/PartnerControls">
   <documentManagement>
@@ -8031,14 +8169,6 @@
 </file>
 
 <file path=customXml/itemProps1.xml><?xml version="1.0" encoding="utf-8"?>
-<ds:datastoreItem xmlns:ds="http://schemas.openxmlformats.org/officeDocument/2006/customXml" ds:itemID="{8D003AC8-209A-4321-A17C-1B7A20643390}">
-  <ds:schemaRefs>
-    <ds:schemaRef ds:uri="http://schemas.microsoft.com/sharepoint/v3/contenttype/forms"/>
-  </ds:schemaRefs>
-</ds:datastoreItem>
-</file>
-
-<file path=customXml/itemProps2.xml><?xml version="1.0" encoding="utf-8"?>
 <ds:datastoreItem xmlns:ds="http://schemas.openxmlformats.org/officeDocument/2006/customXml" ds:itemID="{83ED4759-CFDD-43F0-817C-11D9197192BA}">
   <ds:schemaRefs>
     <ds:schemaRef ds:uri="http://schemas.microsoft.com/office/2006/metadata/contentType"/>
@@ -8052,6 +8182,14 @@
     <ds:schemaRef ds:uri="http://purl.org/dc/elements/1.1/"/>
     <ds:schemaRef ds:uri="http://purl.org/dc/terms/"/>
     <ds:schemaRef ds:uri="http://schemas.microsoft.com/internal/obd"/>
+  </ds:schemaRefs>
+</ds:datastoreItem>
+</file>
+
+<file path=customXml/itemProps2.xml><?xml version="1.0" encoding="utf-8"?>
+<ds:datastoreItem xmlns:ds="http://schemas.openxmlformats.org/officeDocument/2006/customXml" ds:itemID="{8D003AC8-209A-4321-A17C-1B7A20643390}">
+  <ds:schemaRefs>
+    <ds:schemaRef ds:uri="http://schemas.microsoft.com/sharepoint/v3/contenttype/forms"/>
   </ds:schemaRefs>
 </ds:datastoreItem>
 </file>

--- a/Google BigQuery.pptx
+++ b/Google BigQuery.pptx
@@ -5000,7 +5000,15 @@
           <a:p>
             <a:r>
               <a:rPr lang="en-US" dirty="0" smtClean="0"/>
-              <a:t> Thank you !</a:t>
+              <a:t> </a:t>
+            </a:r>
+            <a:r>
+              <a:rPr lang="en-US" dirty="0" smtClean="0"/>
+              <a:t> Thank </a:t>
+            </a:r>
+            <a:r>
+              <a:rPr lang="en-US" dirty="0" smtClean="0"/>
+              <a:t>you !</a:t>
             </a:r>
             <a:endParaRPr lang="en-US" dirty="0"/>
           </a:p>
@@ -5331,15 +5339,7 @@
           <a:p>
             <a:r>
               <a:rPr lang="en-US" dirty="0"/>
-              <a:t>It’s </a:t>
-            </a:r>
-            <a:r>
-              <a:rPr lang="en-US" dirty="0" err="1"/>
-              <a:t>serverless</a:t>
-            </a:r>
-            <a:r>
-              <a:rPr lang="en-US" dirty="0"/>
-              <a:t> and completely managed</a:t>
+              <a:t>It’s serverless and completely managed</a:t>
             </a:r>
             <a:r>
               <a:rPr lang="en-US" dirty="0" smtClean="0"/>
@@ -5828,7 +5828,6 @@
               <a:rPr lang="en-US" dirty="0"/>
               <a:t> — Columnar storage can achieve a compression ratio of 1:10, whereas ordinary row-based storage can compress at roughly 1:3.</a:t>
             </a:r>
-            <a:endParaRPr lang="en-US" dirty="0"/>
           </a:p>
         </p:txBody>
       </p:sp>
@@ -8034,15 +8033,6 @@
 </file>
 
 <file path=customXml/item2.xml><?xml version="1.0" encoding="utf-8"?>
-<?mso-contentType ?>
-<FormTemplates xmlns="http://schemas.microsoft.com/sharepoint/v3/contenttype/forms">
-  <Display>DocumentLibraryForm</Display>
-  <Edit>AssetEditForm</Edit>
-  <New>DocumentLibraryForm</New>
-</FormTemplates>
-</file>
-
-<file path=customXml/item3.xml><?xml version="1.0" encoding="utf-8"?>
 <p:properties xmlns:p="http://schemas.microsoft.com/office/2006/metadata/properties" xmlns:xsi="http://www.w3.org/2001/XMLSchema-instance" xmlns:pc="http://schemas.microsoft.com/office/infopath/2007/PartnerControls">
   <documentManagement>
     <DirectSourceMarket xmlns="4873beb7-5857-4685-be1f-d57550cc96cc" xsi:nil="true"/>
@@ -8168,6 +8158,15 @@
 </p:properties>
 </file>
 
+<file path=customXml/item3.xml><?xml version="1.0" encoding="utf-8"?>
+<?mso-contentType ?>
+<FormTemplates xmlns="http://schemas.microsoft.com/sharepoint/v3/contenttype/forms">
+  <Display>DocumentLibraryForm</Display>
+  <Edit>AssetEditForm</Edit>
+  <New>DocumentLibraryForm</New>
+</FormTemplates>
+</file>
+
 <file path=customXml/itemProps1.xml><?xml version="1.0" encoding="utf-8"?>
 <ds:datastoreItem xmlns:ds="http://schemas.openxmlformats.org/officeDocument/2006/customXml" ds:itemID="{83ED4759-CFDD-43F0-817C-11D9197192BA}">
   <ds:schemaRefs>
@@ -8187,14 +8186,6 @@
 </file>
 
 <file path=customXml/itemProps2.xml><?xml version="1.0" encoding="utf-8"?>
-<ds:datastoreItem xmlns:ds="http://schemas.openxmlformats.org/officeDocument/2006/customXml" ds:itemID="{8D003AC8-209A-4321-A17C-1B7A20643390}">
-  <ds:schemaRefs>
-    <ds:schemaRef ds:uri="http://schemas.microsoft.com/sharepoint/v3/contenttype/forms"/>
-  </ds:schemaRefs>
-</ds:datastoreItem>
-</file>
-
-<file path=customXml/itemProps3.xml><?xml version="1.0" encoding="utf-8"?>
 <ds:datastoreItem xmlns:ds="http://schemas.openxmlformats.org/officeDocument/2006/customXml" ds:itemID="{4ED80E12-3BE9-4746-820E-FFB249F467F2}">
   <ds:schemaRefs>
     <ds:schemaRef ds:uri="http://schemas.microsoft.com/office/2006/documentManagement/types"/>
@@ -8208,4 +8199,12 @@
     <ds:schemaRef ds:uri="http://purl.org/dc/dcmitype/"/>
   </ds:schemaRefs>
 </ds:datastoreItem>
+</file>
+
+<file path=customXml/itemProps3.xml><?xml version="1.0" encoding="utf-8"?>
+<ds:datastoreItem xmlns:ds="http://schemas.openxmlformats.org/officeDocument/2006/customXml" ds:itemID="{8D003AC8-209A-4321-A17C-1B7A20643390}">
+  <ds:schemaRefs>
+    <ds:schemaRef ds:uri="http://schemas.microsoft.com/sharepoint/v3/contenttype/forms"/>
+  </ds:schemaRefs>
+</ds:datastoreItem>
 </file>
--- a/Google BigQuery.pptx
+++ b/Google BigQuery.pptx
@@ -5000,15 +5000,7 @@
           <a:p>
             <a:r>
               <a:rPr lang="en-US" dirty="0" smtClean="0"/>
-              <a:t> </a:t>
-            </a:r>
-            <a:r>
-              <a:rPr lang="en-US" dirty="0" smtClean="0"/>
-              <a:t> Thank </a:t>
-            </a:r>
-            <a:r>
-              <a:rPr lang="en-US" dirty="0" smtClean="0"/>
-              <a:t>you !</a:t>
+              <a:t>  Thank you !</a:t>
             </a:r>
             <a:endParaRPr lang="en-US" dirty="0"/>
           </a:p>
@@ -5930,8 +5922,8 @@
               <a:t>BigQuery vs. </a:t>
             </a:r>
             <a:r>
-              <a:rPr lang="en-US" b="1" dirty="0" err="1"/>
-              <a:t>MapReduce</a:t>
+              <a:rPr lang="en-US" b="1" dirty="0" smtClean="0"/>
+              <a:t>Hadoop</a:t>
             </a:r>
             <a:r>
               <a:rPr lang="en-US" b="1" dirty="0"/>
@@ -5961,7 +5953,37 @@
           <a:p>
             <a:r>
               <a:rPr lang="en-US" dirty="0"/>
-              <a:t>The key differences between BigQuery and </a:t>
+              <a:t>The key differences between </a:t>
+            </a:r>
+            <a:r>
+              <a:rPr lang="en-US" dirty="0" err="1"/>
+              <a:t>BigQuery</a:t>
+            </a:r>
+            <a:r>
+              <a:rPr lang="en-US" dirty="0"/>
+              <a:t> and Hadoop are :</a:t>
+            </a:r>
+          </a:p>
+          <a:p>
+            <a:r>
+              <a:rPr lang="en-US" dirty="0" err="1"/>
+              <a:t>BigQuery</a:t>
+            </a:r>
+            <a:r>
+              <a:rPr lang="en-US" dirty="0"/>
+              <a:t> is designed as an interactive data analysis tool for large datasets</a:t>
+            </a:r>
+          </a:p>
+          <a:p>
+            <a:r>
+              <a:rPr lang="en-US" dirty="0"/>
+              <a:t>Hadoop is designed as a programming framework used for massive storage of data and batch processing of that data.</a:t>
+            </a:r>
+          </a:p>
+          <a:p>
+            <a:r>
+              <a:rPr lang="en-US" dirty="0"/>
+              <a:t> In Hadoop storage part, known as Hadoop Distributed File System (HDFS), and a processing part called </a:t>
             </a:r>
             <a:r>
               <a:rPr lang="en-US" dirty="0" err="1"/>
@@ -5969,39 +5991,14 @@
             </a:r>
             <a:r>
               <a:rPr lang="en-US" dirty="0"/>
-              <a:t> are </a:t>
-            </a:r>
-            <a:r>
-              <a:rPr lang="en-US" dirty="0" smtClean="0"/>
-              <a:t>:</a:t>
-            </a:r>
-          </a:p>
-          <a:p>
-            <a:r>
-              <a:rPr lang="en-US" dirty="0" smtClean="0"/>
-              <a:t>BigQuery </a:t>
-            </a:r>
+              <a:t>.</a:t>
+            </a:r>
+          </a:p>
+          <a:p>
             <a:r>
               <a:rPr lang="en-US" dirty="0"/>
-              <a:t>is designed as an interactive data analysis tool for large datasets</a:t>
-            </a:r>
-          </a:p>
-          <a:p>
-            <a:r>
-              <a:rPr lang="en-US" dirty="0" err="1"/>
-              <a:t>MapReduce</a:t>
-            </a:r>
-            <a:r>
-              <a:rPr lang="en-US" dirty="0"/>
-              <a:t> is designed as a programming framework to batch process large </a:t>
-            </a:r>
-            <a:r>
-              <a:rPr lang="en-US" dirty="0" smtClean="0"/>
-              <a:t>datasets.</a:t>
-            </a:r>
-            <a:endParaRPr lang="en-US" dirty="0"/>
-          </a:p>
-          <a:p>
+              <a:t>Hadoop is not suitable for real-time querying and data analysis.</a:t>
+            </a:r>
             <a:endParaRPr lang="en-US" dirty="0"/>
           </a:p>
         </p:txBody>
@@ -6119,49 +6116,41 @@
           <a:p>
             <a:r>
               <a:rPr lang="en-US" dirty="0"/>
-              <a:t>In Redshift, you need to allocate different instance types and create your own clusters</a:t>
-            </a:r>
-            <a:r>
-              <a:rPr lang="en-US" dirty="0" smtClean="0"/>
-              <a:t>.</a:t>
+              <a:t>In Redshift, we need to allocate different instance types and create our own clusters.</a:t>
             </a:r>
           </a:p>
           <a:p>
             <a:r>
               <a:rPr lang="en-US" dirty="0"/>
-              <a:t>The benefit of this is that it lets you tune the compute/storage to meet your needs</a:t>
-            </a:r>
-            <a:r>
-              <a:rPr lang="en-US" dirty="0" smtClean="0"/>
-              <a:t>.</a:t>
+              <a:t>The benefit of this is that it lets us tune the compute/storage to meet our needs.</a:t>
             </a:r>
           </a:p>
           <a:p>
             <a:r>
               <a:rPr lang="en-US" dirty="0"/>
-              <a:t>In BigQuery, you just upload the data and query it. It is a truly managed service. </a:t>
-            </a:r>
-            <a:endParaRPr lang="en-US" dirty="0" smtClean="0"/>
-          </a:p>
-          <a:p>
-            <a:r>
-              <a:rPr lang="en-US" dirty="0" smtClean="0"/>
-              <a:t>You </a:t>
+              <a:t>In </a:t>
+            </a:r>
+            <a:r>
+              <a:rPr lang="en-US" dirty="0" err="1"/>
+              <a:t>BigQuery</a:t>
             </a:r>
             <a:r>
               <a:rPr lang="en-US" dirty="0"/>
-              <a:t>are charged by storage, streaming inserts, and queries</a:t>
-            </a:r>
-            <a:r>
-              <a:rPr lang="en-US" dirty="0" smtClean="0"/>
-              <a:t>.</a:t>
+              <a:t>, we just upload the data and query it. It is a truly managed service. </a:t>
             </a:r>
           </a:p>
           <a:p>
             <a:r>
               <a:rPr lang="en-US" dirty="0"/>
+              <a:t>We are charged by storage, streaming inserts, and queries.</a:t>
+            </a:r>
+          </a:p>
+          <a:p>
+            <a:r>
+              <a:rPr lang="en-US"/>
               <a:t>There are more similarities in both the data warehouses than the differences.</a:t>
             </a:r>
+            <a:endParaRPr lang="en-US" dirty="0"/>
           </a:p>
         </p:txBody>
       </p:sp>
@@ -8033,6 +8022,15 @@
 </file>
 
 <file path=customXml/item2.xml><?xml version="1.0" encoding="utf-8"?>
+<?mso-contentType ?>
+<FormTemplates xmlns="http://schemas.microsoft.com/sharepoint/v3/contenttype/forms">
+  <Display>DocumentLibraryForm</Display>
+  <Edit>AssetEditForm</Edit>
+  <New>DocumentLibraryForm</New>
+</FormTemplates>
+</file>
+
+<file path=customXml/item3.xml><?xml version="1.0" encoding="utf-8"?>
 <p:properties xmlns:p="http://schemas.microsoft.com/office/2006/metadata/properties" xmlns:xsi="http://www.w3.org/2001/XMLSchema-instance" xmlns:pc="http://schemas.microsoft.com/office/infopath/2007/PartnerControls">
   <documentManagement>
     <DirectSourceMarket xmlns="4873beb7-5857-4685-be1f-d57550cc96cc" xsi:nil="true"/>
@@ -8158,15 +8156,6 @@
 </p:properties>
 </file>
 
-<file path=customXml/item3.xml><?xml version="1.0" encoding="utf-8"?>
-<?mso-contentType ?>
-<FormTemplates xmlns="http://schemas.microsoft.com/sharepoint/v3/contenttype/forms">
-  <Display>DocumentLibraryForm</Display>
-  <Edit>AssetEditForm</Edit>
-  <New>DocumentLibraryForm</New>
-</FormTemplates>
-</file>
-
 <file path=customXml/itemProps1.xml><?xml version="1.0" encoding="utf-8"?>
 <ds:datastoreItem xmlns:ds="http://schemas.openxmlformats.org/officeDocument/2006/customXml" ds:itemID="{83ED4759-CFDD-43F0-817C-11D9197192BA}">
   <ds:schemaRefs>
@@ -8186,6 +8175,14 @@
 </file>
 
 <file path=customXml/itemProps2.xml><?xml version="1.0" encoding="utf-8"?>
+<ds:datastoreItem xmlns:ds="http://schemas.openxmlformats.org/officeDocument/2006/customXml" ds:itemID="{8D003AC8-209A-4321-A17C-1B7A20643390}">
+  <ds:schemaRefs>
+    <ds:schemaRef ds:uri="http://schemas.microsoft.com/sharepoint/v3/contenttype/forms"/>
+  </ds:schemaRefs>
+</ds:datastoreItem>
+</file>
+
+<file path=customXml/itemProps3.xml><?xml version="1.0" encoding="utf-8"?>
 <ds:datastoreItem xmlns:ds="http://schemas.openxmlformats.org/officeDocument/2006/customXml" ds:itemID="{4ED80E12-3BE9-4746-820E-FFB249F467F2}">
   <ds:schemaRefs>
     <ds:schemaRef ds:uri="http://schemas.microsoft.com/office/2006/documentManagement/types"/>
@@ -8199,12 +8196,4 @@
     <ds:schemaRef ds:uri="http://purl.org/dc/dcmitype/"/>
   </ds:schemaRefs>
 </ds:datastoreItem>
-</file>
-
-<file path=customXml/itemProps3.xml><?xml version="1.0" encoding="utf-8"?>
-<ds:datastoreItem xmlns:ds="http://schemas.openxmlformats.org/officeDocument/2006/customXml" ds:itemID="{8D003AC8-209A-4321-A17C-1B7A20643390}">
-  <ds:schemaRefs>
-    <ds:schemaRef ds:uri="http://schemas.microsoft.com/sharepoint/v3/contenttype/forms"/>
-  </ds:schemaRefs>
-</ds:datastoreItem>
 </file>